--- a/Lessions/Bai-05-Accelerometer-Sensor-and-Touch/Bai-05-Accelerometer-Sensor-and-Touch.pptx
+++ b/Lessions/Bai-05-Accelerometer-Sensor-and-Touch/Bai-05-Accelerometer-Sensor-and-Touch.pptx
@@ -5,7 +5,7 @@
     <p:sldMasterId id="2147483660" r:id="rId1"/>
   </p:sldMasterIdLst>
   <p:notesMasterIdLst>
-    <p:notesMasterId r:id="rId13"/>
+    <p:notesMasterId r:id="rId11"/>
   </p:notesMasterIdLst>
   <p:sldIdLst>
     <p:sldId id="256" r:id="rId2"/>
@@ -15,10 +15,8 @@
     <p:sldId id="273" r:id="rId6"/>
     <p:sldId id="272" r:id="rId7"/>
     <p:sldId id="274" r:id="rId8"/>
-    <p:sldId id="266" r:id="rId9"/>
-    <p:sldId id="268" r:id="rId10"/>
-    <p:sldId id="275" r:id="rId11"/>
-    <p:sldId id="276" r:id="rId12"/>
+    <p:sldId id="275" r:id="rId9"/>
+    <p:sldId id="276" r:id="rId10"/>
   </p:sldIdLst>
   <p:sldSz cx="9144000" cy="6858000" type="screen4x3"/>
   <p:notesSz cx="6858000" cy="9144000"/>
@@ -207,7 +205,7 @@
           <a:p>
             <a:fld id="{E1BDF935-9821-4834-9D99-7DEFA719F44D}" type="datetimeFigureOut">
               <a:rPr lang="en-US" smtClean="0"/>
-              <a:t>5/15/2023</a:t>
+              <a:t>6/13/2024</a:t>
             </a:fld>
             <a:endParaRPr lang="en-US"/>
           </a:p>
@@ -2516,16 +2514,7 @@
                 </a:solidFill>
                 <a:latin typeface="GT Walsheim Bold" panose="00000800000000000000" pitchFamily="2" charset="0"/>
               </a:rPr>
-              <a:t>BÀI </a:t>
-            </a:r>
-            <a:r>
-              <a:rPr lang="en-US" sz="3600" b="1" dirty="0" smtClean="0">
-                <a:solidFill>
-                  <a:schemeClr val="bg1"/>
-                </a:solidFill>
-                <a:latin typeface="GT Walsheim Bold" panose="00000800000000000000" pitchFamily="2" charset="0"/>
-              </a:rPr>
-              <a:t>5</a:t>
+              <a:t>BÀI 5</a:t>
             </a:r>
             <a:endParaRPr lang="en-US" sz="3600" b="1" dirty="0">
               <a:solidFill>
@@ -2583,1084 +2572,6 @@
     <p:extLst>
       <p:ext uri="{BB962C8B-B14F-4D97-AF65-F5344CB8AC3E}">
         <p14:creationId xmlns:p14="http://schemas.microsoft.com/office/powerpoint/2010/main" val="2003468224"/>
-      </p:ext>
-    </p:extLst>
-  </p:cSld>
-  <p:clrMapOvr>
-    <a:masterClrMapping/>
-  </p:clrMapOvr>
-</p:sld>
-</file>
-
-<file path=ppt/slides/slide10.xml><?xml version="1.0" encoding="utf-8"?>
-<p:sld xmlns:a="http://schemas.openxmlformats.org/drawingml/2006/main" xmlns:r="http://schemas.openxmlformats.org/officeDocument/2006/relationships" xmlns:p="http://schemas.openxmlformats.org/presentationml/2006/main">
-  <p:cSld>
-    <p:spTree>
-      <p:nvGrpSpPr>
-        <p:cNvPr id="1" name=""/>
-        <p:cNvGrpSpPr/>
-        <p:nvPr/>
-      </p:nvGrpSpPr>
-      <p:grpSpPr>
-        <a:xfrm>
-          <a:off x="0" y="0"/>
-          <a:ext cx="0" cy="0"/>
-          <a:chOff x="0" y="0"/>
-          <a:chExt cx="0" cy="0"/>
-        </a:xfrm>
-      </p:grpSpPr>
-      <p:sp>
-        <p:nvSpPr>
-          <p:cNvPr id="2" name="Slide Number Placeholder 1"/>
-          <p:cNvSpPr>
-            <a:spLocks noGrp="1"/>
-          </p:cNvSpPr>
-          <p:nvPr>
-            <p:ph type="sldNum" sz="quarter" idx="12"/>
-          </p:nvPr>
-        </p:nvSpPr>
-        <p:spPr/>
-        <p:txBody>
-          <a:bodyPr/>
-          <a:lstStyle/>
-          <a:p>
-            <a:fld id="{7D9EC917-02A2-4152-9EE3-DFE2775A77C7}" type="slidenum">
-              <a:rPr lang="en-US" smtClean="0"/>
-              <a:pPr/>
-              <a:t>10</a:t>
-            </a:fld>
-            <a:endParaRPr lang="en-US"/>
-          </a:p>
-        </p:txBody>
-      </p:sp>
-      <p:sp>
-        <p:nvSpPr>
-          <p:cNvPr id="3" name="Rectangle 2"/>
-          <p:cNvSpPr/>
-          <p:nvPr/>
-        </p:nvSpPr>
-        <p:spPr>
-          <a:xfrm>
-            <a:off x="301925" y="1051379"/>
-            <a:ext cx="8454964" cy="27432"/>
-          </a:xfrm>
-          <a:prstGeom prst="rect">
-            <a:avLst/>
-          </a:prstGeom>
-          <a:gradFill flip="none" rotWithShape="1">
-            <a:gsLst>
-              <a:gs pos="15000">
-                <a:srgbClr val="EC5F77"/>
-              </a:gs>
-              <a:gs pos="100000">
-                <a:srgbClr val="FECC36"/>
-              </a:gs>
-            </a:gsLst>
-            <a:lin ang="0" scaled="1"/>
-            <a:tileRect/>
-          </a:gradFill>
-          <a:ln>
-            <a:noFill/>
-          </a:ln>
-        </p:spPr>
-        <p:style>
-          <a:lnRef idx="2">
-            <a:schemeClr val="accent1">
-              <a:shade val="50000"/>
-            </a:schemeClr>
-          </a:lnRef>
-          <a:fillRef idx="1">
-            <a:schemeClr val="accent1"/>
-          </a:fillRef>
-          <a:effectRef idx="0">
-            <a:schemeClr val="accent1"/>
-          </a:effectRef>
-          <a:fontRef idx="minor">
-            <a:schemeClr val="lt1"/>
-          </a:fontRef>
-        </p:style>
-        <p:txBody>
-          <a:bodyPr rtlCol="0" anchor="ctr"/>
-          <a:lstStyle/>
-          <a:p>
-            <a:pPr algn="ctr"/>
-            <a:endParaRPr lang="en-US"/>
-          </a:p>
-        </p:txBody>
-      </p:sp>
-      <p:sp>
-        <p:nvSpPr>
-          <p:cNvPr id="4" name="TextBox 3"/>
-          <p:cNvSpPr txBox="1"/>
-          <p:nvPr/>
-        </p:nvSpPr>
-        <p:spPr>
-          <a:xfrm>
-            <a:off x="248815" y="546584"/>
-            <a:ext cx="7374995" cy="461665"/>
-          </a:xfrm>
-          <a:prstGeom prst="rect">
-            <a:avLst/>
-          </a:prstGeom>
-          <a:noFill/>
-        </p:spPr>
-        <p:txBody>
-          <a:bodyPr wrap="square" rtlCol="0">
-            <a:spAutoFit/>
-          </a:bodyPr>
-          <a:lstStyle/>
-          <a:p>
-            <a:r>
-              <a:rPr lang="en-US" sz="2400" b="1" dirty="0" smtClean="0">
-                <a:solidFill>
-                  <a:srgbClr val="EC5F77"/>
-                </a:solidFill>
-                <a:latin typeface="UTM Helve" panose="02040603050506020204" pitchFamily="18" charset="0"/>
-                <a:ea typeface="Roboto" pitchFamily="2" charset="0"/>
-              </a:rPr>
-              <a:t>5.3 </a:t>
-            </a:r>
-            <a:r>
-              <a:rPr lang="en-US" sz="2400" b="1" dirty="0" smtClean="0">
-                <a:solidFill>
-                  <a:srgbClr val="EC5F77"/>
-                </a:solidFill>
-                <a:latin typeface="UTM Helve" panose="02040603050506020204" pitchFamily="18" charset="0"/>
-                <a:ea typeface="Roboto" pitchFamily="2" charset="0"/>
-              </a:rPr>
-              <a:t>Hoạt động học viên</a:t>
-            </a:r>
-            <a:endParaRPr lang="en-US" sz="2400" b="1" dirty="0">
-              <a:solidFill>
-                <a:srgbClr val="EC5F77"/>
-              </a:solidFill>
-              <a:latin typeface="UTM Helve" panose="02040603050506020204" pitchFamily="18" charset="0"/>
-              <a:ea typeface="Roboto" pitchFamily="2" charset="0"/>
-            </a:endParaRPr>
-          </a:p>
-        </p:txBody>
-      </p:sp>
-      <p:sp>
-        <p:nvSpPr>
-          <p:cNvPr id="5" name="TextBox 4"/>
-          <p:cNvSpPr txBox="1"/>
-          <p:nvPr/>
-        </p:nvSpPr>
-        <p:spPr>
-          <a:xfrm>
-            <a:off x="1265305" y="1364739"/>
-            <a:ext cx="5649845" cy="461665"/>
-          </a:xfrm>
-          <a:prstGeom prst="rect">
-            <a:avLst/>
-          </a:prstGeom>
-          <a:noFill/>
-        </p:spPr>
-        <p:txBody>
-          <a:bodyPr wrap="square" rtlCol="0">
-            <a:spAutoFit/>
-          </a:bodyPr>
-          <a:lstStyle/>
-          <a:p>
-            <a:r>
-              <a:rPr lang="en-US" sz="2400" b="1" dirty="0" smtClean="0">
-                <a:solidFill>
-                  <a:schemeClr val="tx1">
-                    <a:lumMod val="85000"/>
-                    <a:lumOff val="15000"/>
-                  </a:schemeClr>
-                </a:solidFill>
-                <a:latin typeface="UTM Helve" panose="02040603050506020204" pitchFamily="18" charset="0"/>
-                <a:ea typeface="Roboto" pitchFamily="2" charset="0"/>
-              </a:rPr>
-              <a:t>Đi bộ và sức khỏe</a:t>
-            </a:r>
-            <a:endParaRPr lang="en-US" sz="2400" b="1" dirty="0">
-              <a:solidFill>
-                <a:schemeClr val="tx1">
-                  <a:lumMod val="85000"/>
-                  <a:lumOff val="15000"/>
-                </a:schemeClr>
-              </a:solidFill>
-              <a:latin typeface="UTM Helve" panose="02040603050506020204" pitchFamily="18" charset="0"/>
-              <a:ea typeface="Roboto" pitchFamily="2" charset="0"/>
-            </a:endParaRPr>
-          </a:p>
-        </p:txBody>
-      </p:sp>
-      <p:pic>
-        <p:nvPicPr>
-          <p:cNvPr id="6" name="Picture 5"/>
-          <p:cNvPicPr>
-            <a:picLocks noChangeAspect="1"/>
-          </p:cNvPicPr>
-          <p:nvPr/>
-        </p:nvPicPr>
-        <p:blipFill>
-          <a:blip r:embed="rId2">
-            <a:extLst>
-              <a:ext uri="{28A0092B-C50C-407E-A947-70E740481C1C}">
-                <a14:useLocalDpi xmlns:a14="http://schemas.microsoft.com/office/drawing/2010/main" val="0"/>
-              </a:ext>
-            </a:extLst>
-          </a:blip>
-          <a:stretch>
-            <a:fillRect/>
-          </a:stretch>
-        </p:blipFill>
-        <p:spPr>
-          <a:xfrm>
-            <a:off x="709053" y="1437696"/>
-            <a:ext cx="466725" cy="409575"/>
-          </a:xfrm>
-          <a:prstGeom prst="rect">
-            <a:avLst/>
-          </a:prstGeom>
-        </p:spPr>
-      </p:pic>
-      <p:sp>
-        <p:nvSpPr>
-          <p:cNvPr id="7" name="Rounded Rectangle 6"/>
-          <p:cNvSpPr/>
-          <p:nvPr/>
-        </p:nvSpPr>
-        <p:spPr>
-          <a:xfrm>
-            <a:off x="602588" y="2014330"/>
-            <a:ext cx="3909703" cy="4373218"/>
-          </a:xfrm>
-          <a:prstGeom prst="roundRect">
-            <a:avLst>
-              <a:gd name="adj" fmla="val 3719"/>
-            </a:avLst>
-          </a:prstGeom>
-          <a:noFill/>
-          <a:ln w="19050">
-            <a:solidFill>
-              <a:srgbClr val="EC5F77"/>
-            </a:solidFill>
-            <a:prstDash val="sysDash"/>
-          </a:ln>
-        </p:spPr>
-        <p:style>
-          <a:lnRef idx="2">
-            <a:schemeClr val="accent1">
-              <a:shade val="50000"/>
-            </a:schemeClr>
-          </a:lnRef>
-          <a:fillRef idx="1">
-            <a:schemeClr val="accent1"/>
-          </a:fillRef>
-          <a:effectRef idx="0">
-            <a:schemeClr val="accent1"/>
-          </a:effectRef>
-          <a:fontRef idx="minor">
-            <a:schemeClr val="lt1"/>
-          </a:fontRef>
-        </p:style>
-        <p:txBody>
-          <a:bodyPr rtlCol="0" anchor="ctr"/>
-          <a:lstStyle/>
-          <a:p>
-            <a:pPr algn="ctr"/>
-            <a:endParaRPr lang="en-US"/>
-          </a:p>
-        </p:txBody>
-      </p:sp>
-      <p:sp>
-        <p:nvSpPr>
-          <p:cNvPr id="9" name="Title 1"/>
-          <p:cNvSpPr txBox="1">
-            <a:spLocks/>
-          </p:cNvSpPr>
-          <p:nvPr/>
-        </p:nvSpPr>
-        <p:spPr>
-          <a:xfrm>
-            <a:off x="709053" y="2425454"/>
-            <a:ext cx="4410020" cy="549162"/>
-          </a:xfrm>
-          <a:prstGeom prst="rect">
-            <a:avLst/>
-          </a:prstGeom>
-        </p:spPr>
-        <p:txBody>
-          <a:bodyPr/>
-          <a:lstStyle>
-            <a:lvl1pPr algn="l" defTabSz="914400" rtl="0" eaLnBrk="1" latinLnBrk="0" hangingPunct="1">
-              <a:lnSpc>
-                <a:spcPct val="90000"/>
-              </a:lnSpc>
-              <a:spcBef>
-                <a:spcPct val="0"/>
-              </a:spcBef>
-              <a:buNone/>
-              <a:defRPr sz="3200" b="1" kern="1200">
-                <a:solidFill>
-                  <a:srgbClr val="019DD0"/>
-                </a:solidFill>
-                <a:latin typeface="Arial" panose="020B0604020202020204" pitchFamily="34" charset="0"/>
-                <a:ea typeface="+mj-ea"/>
-                <a:cs typeface="Arial" panose="020B0604020202020204" pitchFamily="34" charset="0"/>
-              </a:defRPr>
-            </a:lvl1pPr>
-          </a:lstStyle>
-          <a:p>
-            <a:pPr>
-              <a:lnSpc>
-                <a:spcPct val="100000"/>
-              </a:lnSpc>
-            </a:pPr>
-            <a:endParaRPr lang="en-US" sz="2000" b="0" dirty="0" smtClean="0">
-              <a:solidFill>
-                <a:schemeClr val="tx1">
-                  <a:lumMod val="95000"/>
-                  <a:lumOff val="5000"/>
-                </a:schemeClr>
-              </a:solidFill>
-              <a:ea typeface="Roboto Condensed" pitchFamily="2" charset="0"/>
-            </a:endParaRPr>
-          </a:p>
-        </p:txBody>
-      </p:sp>
-      <p:sp>
-        <p:nvSpPr>
-          <p:cNvPr id="10" name="Rectangle 9"/>
-          <p:cNvSpPr/>
-          <p:nvPr/>
-        </p:nvSpPr>
-        <p:spPr>
-          <a:xfrm>
-            <a:off x="709053" y="2288155"/>
-            <a:ext cx="3677417" cy="2308324"/>
-          </a:xfrm>
-          <a:prstGeom prst="rect">
-            <a:avLst/>
-          </a:prstGeom>
-        </p:spPr>
-        <p:txBody>
-          <a:bodyPr wrap="square">
-            <a:spAutoFit/>
-          </a:bodyPr>
-          <a:lstStyle/>
-          <a:p>
-            <a:r>
-              <a:rPr lang="vi-VN" dirty="0"/>
-              <a:t>Chuyện là Shara tuy còn nhỏ nhưng lại rất thích đi bộ cùng ba mẹ vào mỗi buổi sáng. Chuyên gia khuyên rằng mỗi ngày nên đi bộ 1000 bước để tăng cường sức khỏe nhưng bạn ấy không biết làm thế nào để nhớ được mình đã đi được bao nhiêu bước</a:t>
-            </a:r>
-            <a:endParaRPr lang="en-US" dirty="0"/>
-          </a:p>
-        </p:txBody>
-      </p:sp>
-      <p:sp>
-        <p:nvSpPr>
-          <p:cNvPr id="11" name="Rectangle 10"/>
-          <p:cNvSpPr/>
-          <p:nvPr/>
-        </p:nvSpPr>
-        <p:spPr>
-          <a:xfrm>
-            <a:off x="718730" y="4668746"/>
-            <a:ext cx="3677417" cy="1477328"/>
-          </a:xfrm>
-          <a:prstGeom prst="rect">
-            <a:avLst/>
-          </a:prstGeom>
-        </p:spPr>
-        <p:txBody>
-          <a:bodyPr wrap="square">
-            <a:spAutoFit/>
-          </a:bodyPr>
-          <a:lstStyle/>
-          <a:p>
-            <a:r>
-              <a:rPr lang="vi-VN" dirty="0"/>
-              <a:t>Bạn hãy dùng micro:bit giúp Shara đếm số bước chân nhé !</a:t>
-            </a:r>
-          </a:p>
-          <a:p>
-            <a:r>
-              <a:rPr lang="vi-VN" dirty="0"/>
-              <a:t/>
-            </a:r>
-            <a:br>
-              <a:rPr lang="vi-VN" dirty="0"/>
-            </a:br>
-            <a:r>
-              <a:rPr lang="vi-VN" dirty="0"/>
-              <a:t>Nếu đủ 1000 bước thì hiển thị icon ✓</a:t>
-            </a:r>
-          </a:p>
-        </p:txBody>
-      </p:sp>
-      <p:pic>
-        <p:nvPicPr>
-          <p:cNvPr id="2050" name="Picture 2" descr="Free vector teenager girl walking with pet  cartoon character on white backg"/>
-          <p:cNvPicPr>
-            <a:picLocks noChangeAspect="1" noChangeArrowheads="1"/>
-          </p:cNvPicPr>
-          <p:nvPr/>
-        </p:nvPicPr>
-        <p:blipFill>
-          <a:blip r:embed="rId3">
-            <a:extLst>
-              <a:ext uri="{28A0092B-C50C-407E-A947-70E740481C1C}">
-                <a14:useLocalDpi xmlns:a14="http://schemas.microsoft.com/office/drawing/2010/main" val="0"/>
-              </a:ext>
-            </a:extLst>
-          </a:blip>
-          <a:srcRect/>
-          <a:stretch>
-            <a:fillRect/>
-          </a:stretch>
-        </p:blipFill>
-        <p:spPr bwMode="auto">
-          <a:xfrm>
-            <a:off x="5868228" y="3505828"/>
-            <a:ext cx="2623930" cy="2881720"/>
-          </a:xfrm>
-          <a:prstGeom prst="rect">
-            <a:avLst/>
-          </a:prstGeom>
-          <a:noFill/>
-          <a:extLst>
-            <a:ext uri="{909E8E84-426E-40DD-AFC4-6F175D3DCCD1}">
-              <a14:hiddenFill xmlns:a14="http://schemas.microsoft.com/office/drawing/2010/main">
-                <a:solidFill>
-                  <a:srgbClr val="FFFFFF"/>
-                </a:solidFill>
-              </a14:hiddenFill>
-            </a:ext>
-          </a:extLst>
-        </p:spPr>
-      </p:pic>
-      <p:pic>
-        <p:nvPicPr>
-          <p:cNvPr id="13" name="Picture 12"/>
-          <p:cNvPicPr>
-            <a:picLocks noChangeAspect="1"/>
-          </p:cNvPicPr>
-          <p:nvPr/>
-        </p:nvPicPr>
-        <p:blipFill>
-          <a:blip r:embed="rId4"/>
-          <a:stretch>
-            <a:fillRect/>
-          </a:stretch>
-        </p:blipFill>
-        <p:spPr>
-          <a:xfrm rot="19846332">
-            <a:off x="4647758" y="1688865"/>
-            <a:ext cx="2189295" cy="1793241"/>
-          </a:xfrm>
-          <a:prstGeom prst="rect">
-            <a:avLst/>
-          </a:prstGeom>
-        </p:spPr>
-      </p:pic>
-    </p:spTree>
-    <p:extLst>
-      <p:ext uri="{BB962C8B-B14F-4D97-AF65-F5344CB8AC3E}">
-        <p14:creationId xmlns:p14="http://schemas.microsoft.com/office/powerpoint/2010/main" val="2860998091"/>
-      </p:ext>
-    </p:extLst>
-  </p:cSld>
-  <p:clrMapOvr>
-    <a:masterClrMapping/>
-  </p:clrMapOvr>
-</p:sld>
-</file>
-
-<file path=ppt/slides/slide11.xml><?xml version="1.0" encoding="utf-8"?>
-<p:sld xmlns:a="http://schemas.openxmlformats.org/drawingml/2006/main" xmlns:r="http://schemas.openxmlformats.org/officeDocument/2006/relationships" xmlns:p="http://schemas.openxmlformats.org/presentationml/2006/main">
-  <p:cSld>
-    <p:spTree>
-      <p:nvGrpSpPr>
-        <p:cNvPr id="1" name=""/>
-        <p:cNvGrpSpPr/>
-        <p:nvPr/>
-      </p:nvGrpSpPr>
-      <p:grpSpPr>
-        <a:xfrm>
-          <a:off x="0" y="0"/>
-          <a:ext cx="0" cy="0"/>
-          <a:chOff x="0" y="0"/>
-          <a:chExt cx="0" cy="0"/>
-        </a:xfrm>
-      </p:grpSpPr>
-      <p:sp>
-        <p:nvSpPr>
-          <p:cNvPr id="2" name="Slide Number Placeholder 1"/>
-          <p:cNvSpPr>
-            <a:spLocks noGrp="1"/>
-          </p:cNvSpPr>
-          <p:nvPr>
-            <p:ph type="sldNum" sz="quarter" idx="12"/>
-          </p:nvPr>
-        </p:nvSpPr>
-        <p:spPr/>
-        <p:txBody>
-          <a:bodyPr/>
-          <a:lstStyle/>
-          <a:p>
-            <a:fld id="{7D9EC917-02A2-4152-9EE3-DFE2775A77C7}" type="slidenum">
-              <a:rPr lang="en-US" smtClean="0"/>
-              <a:pPr/>
-              <a:t>11</a:t>
-            </a:fld>
-            <a:endParaRPr lang="en-US"/>
-          </a:p>
-        </p:txBody>
-      </p:sp>
-      <p:sp>
-        <p:nvSpPr>
-          <p:cNvPr id="3" name="Rectangle 2"/>
-          <p:cNvSpPr/>
-          <p:nvPr/>
-        </p:nvSpPr>
-        <p:spPr>
-          <a:xfrm>
-            <a:off x="301925" y="1051379"/>
-            <a:ext cx="8454964" cy="27432"/>
-          </a:xfrm>
-          <a:prstGeom prst="rect">
-            <a:avLst/>
-          </a:prstGeom>
-          <a:gradFill flip="none" rotWithShape="1">
-            <a:gsLst>
-              <a:gs pos="15000">
-                <a:srgbClr val="EC5F77"/>
-              </a:gs>
-              <a:gs pos="100000">
-                <a:srgbClr val="FECC36"/>
-              </a:gs>
-            </a:gsLst>
-            <a:lin ang="0" scaled="1"/>
-            <a:tileRect/>
-          </a:gradFill>
-          <a:ln>
-            <a:noFill/>
-          </a:ln>
-        </p:spPr>
-        <p:style>
-          <a:lnRef idx="2">
-            <a:schemeClr val="accent1">
-              <a:shade val="50000"/>
-            </a:schemeClr>
-          </a:lnRef>
-          <a:fillRef idx="1">
-            <a:schemeClr val="accent1"/>
-          </a:fillRef>
-          <a:effectRef idx="0">
-            <a:schemeClr val="accent1"/>
-          </a:effectRef>
-          <a:fontRef idx="minor">
-            <a:schemeClr val="lt1"/>
-          </a:fontRef>
-        </p:style>
-        <p:txBody>
-          <a:bodyPr rtlCol="0" anchor="ctr"/>
-          <a:lstStyle/>
-          <a:p>
-            <a:pPr algn="ctr"/>
-            <a:endParaRPr lang="en-US"/>
-          </a:p>
-        </p:txBody>
-      </p:sp>
-      <p:sp>
-        <p:nvSpPr>
-          <p:cNvPr id="4" name="TextBox 3"/>
-          <p:cNvSpPr txBox="1"/>
-          <p:nvPr/>
-        </p:nvSpPr>
-        <p:spPr>
-          <a:xfrm>
-            <a:off x="248815" y="546584"/>
-            <a:ext cx="7374995" cy="461665"/>
-          </a:xfrm>
-          <a:prstGeom prst="rect">
-            <a:avLst/>
-          </a:prstGeom>
-          <a:noFill/>
-        </p:spPr>
-        <p:txBody>
-          <a:bodyPr wrap="square" rtlCol="0">
-            <a:spAutoFit/>
-          </a:bodyPr>
-          <a:lstStyle/>
-          <a:p>
-            <a:r>
-              <a:rPr lang="en-US" sz="2400" b="1" dirty="0" smtClean="0">
-                <a:solidFill>
-                  <a:srgbClr val="EC5F77"/>
-                </a:solidFill>
-                <a:latin typeface="UTM Helve" panose="02040603050506020204" pitchFamily="18" charset="0"/>
-                <a:ea typeface="Roboto" pitchFamily="2" charset="0"/>
-              </a:rPr>
-              <a:t>5.3 </a:t>
-            </a:r>
-            <a:r>
-              <a:rPr lang="en-US" sz="2400" b="1" dirty="0" smtClean="0">
-                <a:solidFill>
-                  <a:srgbClr val="EC5F77"/>
-                </a:solidFill>
-                <a:latin typeface="UTM Helve" panose="02040603050506020204" pitchFamily="18" charset="0"/>
-                <a:ea typeface="Roboto" pitchFamily="2" charset="0"/>
-              </a:rPr>
-              <a:t>Hoạt động học viên</a:t>
-            </a:r>
-            <a:endParaRPr lang="en-US" sz="2400" b="1" dirty="0">
-              <a:solidFill>
-                <a:srgbClr val="EC5F77"/>
-              </a:solidFill>
-              <a:latin typeface="UTM Helve" panose="02040603050506020204" pitchFamily="18" charset="0"/>
-              <a:ea typeface="Roboto" pitchFamily="2" charset="0"/>
-            </a:endParaRPr>
-          </a:p>
-        </p:txBody>
-      </p:sp>
-      <p:sp>
-        <p:nvSpPr>
-          <p:cNvPr id="5" name="TextBox 4"/>
-          <p:cNvSpPr txBox="1"/>
-          <p:nvPr/>
-        </p:nvSpPr>
-        <p:spPr>
-          <a:xfrm>
-            <a:off x="1265305" y="1364739"/>
-            <a:ext cx="5649845" cy="461665"/>
-          </a:xfrm>
-          <a:prstGeom prst="rect">
-            <a:avLst/>
-          </a:prstGeom>
-          <a:noFill/>
-        </p:spPr>
-        <p:txBody>
-          <a:bodyPr wrap="square" rtlCol="0">
-            <a:spAutoFit/>
-          </a:bodyPr>
-          <a:lstStyle/>
-          <a:p>
-            <a:r>
-              <a:rPr lang="en-US" sz="2400" b="1" dirty="0" smtClean="0">
-                <a:solidFill>
-                  <a:schemeClr val="tx1">
-                    <a:lumMod val="85000"/>
-                    <a:lumOff val="15000"/>
-                  </a:schemeClr>
-                </a:solidFill>
-                <a:latin typeface="UTM Helve" panose="02040603050506020204" pitchFamily="18" charset="0"/>
-                <a:ea typeface="Roboto" pitchFamily="2" charset="0"/>
-              </a:rPr>
-              <a:t>Xúc xắc kỹ thuật số</a:t>
-            </a:r>
-            <a:endParaRPr lang="en-US" sz="2400" b="1" dirty="0">
-              <a:solidFill>
-                <a:schemeClr val="tx1">
-                  <a:lumMod val="85000"/>
-                  <a:lumOff val="15000"/>
-                </a:schemeClr>
-              </a:solidFill>
-              <a:latin typeface="UTM Helve" panose="02040603050506020204" pitchFamily="18" charset="0"/>
-              <a:ea typeface="Roboto" pitchFamily="2" charset="0"/>
-            </a:endParaRPr>
-          </a:p>
-        </p:txBody>
-      </p:sp>
-      <p:pic>
-        <p:nvPicPr>
-          <p:cNvPr id="6" name="Picture 5"/>
-          <p:cNvPicPr>
-            <a:picLocks noChangeAspect="1"/>
-          </p:cNvPicPr>
-          <p:nvPr/>
-        </p:nvPicPr>
-        <p:blipFill>
-          <a:blip r:embed="rId2">
-            <a:extLst>
-              <a:ext uri="{28A0092B-C50C-407E-A947-70E740481C1C}">
-                <a14:useLocalDpi xmlns:a14="http://schemas.microsoft.com/office/drawing/2010/main" val="0"/>
-              </a:ext>
-            </a:extLst>
-          </a:blip>
-          <a:stretch>
-            <a:fillRect/>
-          </a:stretch>
-        </p:blipFill>
-        <p:spPr>
-          <a:xfrm>
-            <a:off x="709053" y="1437696"/>
-            <a:ext cx="466725" cy="409575"/>
-          </a:xfrm>
-          <a:prstGeom prst="rect">
-            <a:avLst/>
-          </a:prstGeom>
-        </p:spPr>
-      </p:pic>
-      <p:sp>
-        <p:nvSpPr>
-          <p:cNvPr id="7" name="Rounded Rectangle 6"/>
-          <p:cNvSpPr/>
-          <p:nvPr/>
-        </p:nvSpPr>
-        <p:spPr>
-          <a:xfrm>
-            <a:off x="602588" y="2206156"/>
-            <a:ext cx="3909703" cy="4014967"/>
-          </a:xfrm>
-          <a:prstGeom prst="roundRect">
-            <a:avLst>
-              <a:gd name="adj" fmla="val 3719"/>
-            </a:avLst>
-          </a:prstGeom>
-          <a:noFill/>
-          <a:ln w="19050">
-            <a:solidFill>
-              <a:srgbClr val="EC5F77"/>
-            </a:solidFill>
-            <a:prstDash val="sysDash"/>
-          </a:ln>
-        </p:spPr>
-        <p:style>
-          <a:lnRef idx="2">
-            <a:schemeClr val="accent1">
-              <a:shade val="50000"/>
-            </a:schemeClr>
-          </a:lnRef>
-          <a:fillRef idx="1">
-            <a:schemeClr val="accent1"/>
-          </a:fillRef>
-          <a:effectRef idx="0">
-            <a:schemeClr val="accent1"/>
-          </a:effectRef>
-          <a:fontRef idx="minor">
-            <a:schemeClr val="lt1"/>
-          </a:fontRef>
-        </p:style>
-        <p:txBody>
-          <a:bodyPr rtlCol="0" anchor="ctr"/>
-          <a:lstStyle/>
-          <a:p>
-            <a:pPr algn="ctr"/>
-            <a:endParaRPr lang="en-US"/>
-          </a:p>
-        </p:txBody>
-      </p:sp>
-      <p:sp>
-        <p:nvSpPr>
-          <p:cNvPr id="8" name="Rectangle 7"/>
-          <p:cNvSpPr/>
-          <p:nvPr/>
-        </p:nvSpPr>
-        <p:spPr>
-          <a:xfrm>
-            <a:off x="709053" y="2288155"/>
-            <a:ext cx="3677417" cy="923330"/>
-          </a:xfrm>
-          <a:prstGeom prst="rect">
-            <a:avLst/>
-          </a:prstGeom>
-        </p:spPr>
-        <p:txBody>
-          <a:bodyPr wrap="square">
-            <a:spAutoFit/>
-          </a:bodyPr>
-          <a:lstStyle/>
-          <a:p>
-            <a:r>
-              <a:rPr lang="vi-VN" dirty="0"/>
-              <a:t>Doreamon và Nobita muốn chơi cá ngựa nhưng Nobita đãng trí đã làm mất 2 hạt xúc </a:t>
-            </a:r>
-            <a:r>
-              <a:rPr lang="vi-VN" dirty="0" smtClean="0"/>
-              <a:t>xắc</a:t>
-            </a:r>
-            <a:r>
-              <a:rPr lang="en-US" dirty="0" smtClean="0"/>
-              <a:t>.</a:t>
-            </a:r>
-            <a:endParaRPr lang="en-US" dirty="0"/>
-          </a:p>
-        </p:txBody>
-      </p:sp>
-      <p:sp>
-        <p:nvSpPr>
-          <p:cNvPr id="9" name="Rectangle 8"/>
-          <p:cNvSpPr/>
-          <p:nvPr/>
-        </p:nvSpPr>
-        <p:spPr>
-          <a:xfrm>
-            <a:off x="709053" y="3401338"/>
-            <a:ext cx="3677417" cy="923330"/>
-          </a:xfrm>
-          <a:prstGeom prst="rect">
-            <a:avLst/>
-          </a:prstGeom>
-        </p:spPr>
-        <p:txBody>
-          <a:bodyPr wrap="square">
-            <a:spAutoFit/>
-          </a:bodyPr>
-          <a:lstStyle/>
-          <a:p>
-            <a:r>
-              <a:rPr lang="vi-VN" dirty="0"/>
-              <a:t>Bạn có thể giúp Doreamon và Nobita chơi cá ngựa mà không cần đến xúc xắc không ?</a:t>
-            </a:r>
-            <a:endParaRPr lang="en-US" dirty="0"/>
-          </a:p>
-        </p:txBody>
-      </p:sp>
-      <p:sp>
-        <p:nvSpPr>
-          <p:cNvPr id="10" name="Rectangle 9"/>
-          <p:cNvSpPr/>
-          <p:nvPr/>
-        </p:nvSpPr>
-        <p:spPr>
-          <a:xfrm>
-            <a:off x="709053" y="4554277"/>
-            <a:ext cx="3677417" cy="1200329"/>
-          </a:xfrm>
-          <a:prstGeom prst="rect">
-            <a:avLst/>
-          </a:prstGeom>
-        </p:spPr>
-        <p:txBody>
-          <a:bodyPr wrap="square">
-            <a:spAutoFit/>
-          </a:bodyPr>
-          <a:lstStyle/>
-          <a:p>
-            <a:r>
-              <a:rPr lang="en-US" dirty="0"/>
-              <a:t>Gợi ý sử dụng một </a:t>
-            </a:r>
-            <a:r>
-              <a:rPr lang="en-US" dirty="0" smtClean="0"/>
-              <a:t>biến số ngẫu nhiên </a:t>
-            </a:r>
-            <a:r>
-              <a:rPr lang="en-US" dirty="0"/>
-              <a:t>random từ 1 đến </a:t>
-            </a:r>
-            <a:r>
-              <a:rPr lang="en-US" dirty="0" smtClean="0"/>
-              <a:t>6. Lắc micro:bit một cái thì hiển thị số ra màn hình LED</a:t>
-            </a:r>
-            <a:endParaRPr lang="en-US" dirty="0"/>
-          </a:p>
-        </p:txBody>
-      </p:sp>
-      <p:pic>
-        <p:nvPicPr>
-          <p:cNvPr id="11" name="Picture 10"/>
-          <p:cNvPicPr>
-            <a:picLocks noChangeAspect="1"/>
-          </p:cNvPicPr>
-          <p:nvPr/>
-        </p:nvPicPr>
-        <p:blipFill>
-          <a:blip r:embed="rId3"/>
-          <a:stretch>
-            <a:fillRect/>
-          </a:stretch>
-        </p:blipFill>
-        <p:spPr>
-          <a:xfrm>
-            <a:off x="5256856" y="1847271"/>
-            <a:ext cx="2999248" cy="2040726"/>
-          </a:xfrm>
-          <a:prstGeom prst="rect">
-            <a:avLst/>
-          </a:prstGeom>
-        </p:spPr>
-      </p:pic>
-      <p:pic>
-        <p:nvPicPr>
-          <p:cNvPr id="12" name="Picture 11"/>
-          <p:cNvPicPr>
-            <a:picLocks noChangeAspect="1"/>
-          </p:cNvPicPr>
-          <p:nvPr/>
-        </p:nvPicPr>
-        <p:blipFill>
-          <a:blip r:embed="rId4"/>
-          <a:stretch>
-            <a:fillRect/>
-          </a:stretch>
-        </p:blipFill>
-        <p:spPr>
-          <a:xfrm rot="1041515">
-            <a:off x="5661831" y="4097902"/>
-            <a:ext cx="2189295" cy="1793241"/>
-          </a:xfrm>
-          <a:prstGeom prst="rect">
-            <a:avLst/>
-          </a:prstGeom>
-        </p:spPr>
-      </p:pic>
-      <p:sp>
-        <p:nvSpPr>
-          <p:cNvPr id="13" name="Arc 12"/>
-          <p:cNvSpPr/>
-          <p:nvPr/>
-        </p:nvSpPr>
-        <p:spPr>
-          <a:xfrm rot="1242611">
-            <a:off x="7200153" y="4001014"/>
-            <a:ext cx="1406524" cy="1106525"/>
-          </a:xfrm>
-          <a:prstGeom prst="arc">
-            <a:avLst/>
-          </a:prstGeom>
-          <a:ln w="38100"/>
-        </p:spPr>
-        <p:style>
-          <a:lnRef idx="1">
-            <a:schemeClr val="accent1"/>
-          </a:lnRef>
-          <a:fillRef idx="0">
-            <a:schemeClr val="accent1"/>
-          </a:fillRef>
-          <a:effectRef idx="0">
-            <a:schemeClr val="accent1"/>
-          </a:effectRef>
-          <a:fontRef idx="minor">
-            <a:schemeClr val="tx1"/>
-          </a:fontRef>
-        </p:style>
-        <p:txBody>
-          <a:bodyPr rtlCol="0" anchor="ctr"/>
-          <a:lstStyle/>
-          <a:p>
-            <a:pPr algn="ctr"/>
-            <a:endParaRPr lang="en-US"/>
-          </a:p>
-        </p:txBody>
-      </p:sp>
-      <p:sp>
-        <p:nvSpPr>
-          <p:cNvPr id="15" name="Arc 14"/>
-          <p:cNvSpPr/>
-          <p:nvPr/>
-        </p:nvSpPr>
-        <p:spPr>
-          <a:xfrm rot="1242611">
-            <a:off x="7349834" y="4153886"/>
-            <a:ext cx="1043791" cy="821160"/>
-          </a:xfrm>
-          <a:prstGeom prst="arc">
-            <a:avLst/>
-          </a:prstGeom>
-          <a:ln w="38100"/>
-        </p:spPr>
-        <p:style>
-          <a:lnRef idx="1">
-            <a:schemeClr val="accent1"/>
-          </a:lnRef>
-          <a:fillRef idx="0">
-            <a:schemeClr val="accent1"/>
-          </a:fillRef>
-          <a:effectRef idx="0">
-            <a:schemeClr val="accent1"/>
-          </a:effectRef>
-          <a:fontRef idx="minor">
-            <a:schemeClr val="tx1"/>
-          </a:fontRef>
-        </p:style>
-        <p:txBody>
-          <a:bodyPr rtlCol="0" anchor="ctr"/>
-          <a:lstStyle/>
-          <a:p>
-            <a:pPr algn="ctr"/>
-            <a:endParaRPr lang="en-US"/>
-          </a:p>
-        </p:txBody>
-      </p:sp>
-      <p:sp>
-        <p:nvSpPr>
-          <p:cNvPr id="16" name="Arc 15"/>
-          <p:cNvSpPr/>
-          <p:nvPr/>
-        </p:nvSpPr>
-        <p:spPr>
-          <a:xfrm rot="12523801">
-            <a:off x="4934937" y="5046770"/>
-            <a:ext cx="1406524" cy="1106525"/>
-          </a:xfrm>
-          <a:prstGeom prst="arc">
-            <a:avLst/>
-          </a:prstGeom>
-          <a:ln w="38100"/>
-        </p:spPr>
-        <p:style>
-          <a:lnRef idx="1">
-            <a:schemeClr val="accent1"/>
-          </a:lnRef>
-          <a:fillRef idx="0">
-            <a:schemeClr val="accent1"/>
-          </a:fillRef>
-          <a:effectRef idx="0">
-            <a:schemeClr val="accent1"/>
-          </a:effectRef>
-          <a:fontRef idx="minor">
-            <a:schemeClr val="tx1"/>
-          </a:fontRef>
-        </p:style>
-        <p:txBody>
-          <a:bodyPr rtlCol="0" anchor="ctr"/>
-          <a:lstStyle/>
-          <a:p>
-            <a:pPr algn="ctr"/>
-            <a:endParaRPr lang="en-US"/>
-          </a:p>
-        </p:txBody>
-      </p:sp>
-      <p:sp>
-        <p:nvSpPr>
-          <p:cNvPr id="17" name="Arc 16"/>
-          <p:cNvSpPr/>
-          <p:nvPr/>
-        </p:nvSpPr>
-        <p:spPr>
-          <a:xfrm rot="12523801">
-            <a:off x="5084618" y="5199642"/>
-            <a:ext cx="1043791" cy="821160"/>
-          </a:xfrm>
-          <a:prstGeom prst="arc">
-            <a:avLst/>
-          </a:prstGeom>
-          <a:ln w="38100"/>
-        </p:spPr>
-        <p:style>
-          <a:lnRef idx="1">
-            <a:schemeClr val="accent1"/>
-          </a:lnRef>
-          <a:fillRef idx="0">
-            <a:schemeClr val="accent1"/>
-          </a:fillRef>
-          <a:effectRef idx="0">
-            <a:schemeClr val="accent1"/>
-          </a:effectRef>
-          <a:fontRef idx="minor">
-            <a:schemeClr val="tx1"/>
-          </a:fontRef>
-        </p:style>
-        <p:txBody>
-          <a:bodyPr rtlCol="0" anchor="ctr"/>
-          <a:lstStyle/>
-          <a:p>
-            <a:pPr algn="ctr"/>
-            <a:endParaRPr lang="en-US"/>
-          </a:p>
-        </p:txBody>
-      </p:sp>
-    </p:spTree>
-    <p:extLst>
-      <p:ext uri="{BB962C8B-B14F-4D97-AF65-F5344CB8AC3E}">
-        <p14:creationId xmlns:p14="http://schemas.microsoft.com/office/powerpoint/2010/main" val="3671599402"/>
       </p:ext>
     </p:extLst>
   </p:cSld>
@@ -3796,17 +2707,7 @@
                 <a:latin typeface="UTM Helve" panose="02040603050506020204" pitchFamily="18" charset="0"/>
                 <a:ea typeface="Roboto" pitchFamily="2" charset="0"/>
               </a:rPr>
-              <a:t>5.1 </a:t>
-            </a:r>
-            <a:r>
-              <a:rPr lang="en-US" sz="2400" b="1" dirty="0" smtClean="0">
-                <a:solidFill>
-                  <a:srgbClr val="EC5F77"/>
-                </a:solidFill>
-                <a:latin typeface="UTM Helve" panose="02040603050506020204" pitchFamily="18" charset="0"/>
-                <a:ea typeface="Roboto" pitchFamily="2" charset="0"/>
-              </a:rPr>
-              <a:t>Cảm biến là gì ?</a:t>
+              <a:t>5.1 Cảm biến là gì ?</a:t>
             </a:r>
             <a:endParaRPr lang="en-US" sz="2400" b="1" dirty="0">
               <a:solidFill>
@@ -4447,17 +3348,7 @@
                 <a:latin typeface="UTM Helve" panose="02040603050506020204" pitchFamily="18" charset="0"/>
                 <a:ea typeface="Roboto" pitchFamily="2" charset="0"/>
               </a:rPr>
-              <a:t>5.1 </a:t>
-            </a:r>
-            <a:r>
-              <a:rPr lang="en-US" sz="2400" b="1" dirty="0" smtClean="0">
-                <a:solidFill>
-                  <a:srgbClr val="EC5F77"/>
-                </a:solidFill>
-                <a:latin typeface="UTM Helve" panose="02040603050506020204" pitchFamily="18" charset="0"/>
-                <a:ea typeface="Roboto" pitchFamily="2" charset="0"/>
-              </a:rPr>
-              <a:t>Cảm biến là gì ?</a:t>
+              <a:t>5.1 Cảm biến là gì ?</a:t>
             </a:r>
             <a:endParaRPr lang="en-US" sz="2400" b="1" dirty="0">
               <a:solidFill>
@@ -5477,17 +4368,7 @@
                 <a:latin typeface="UTM Helve" panose="02040603050506020204" pitchFamily="18" charset="0"/>
                 <a:ea typeface="Roboto" pitchFamily="2" charset="0"/>
               </a:rPr>
-              <a:t>5.2 </a:t>
-            </a:r>
-            <a:r>
-              <a:rPr lang="en-US" sz="2400" b="1" dirty="0" smtClean="0">
-                <a:solidFill>
-                  <a:srgbClr val="EC5F77"/>
-                </a:solidFill>
-                <a:latin typeface="UTM Helve" panose="02040603050506020204" pitchFamily="18" charset="0"/>
-                <a:ea typeface="Roboto" pitchFamily="2" charset="0"/>
-              </a:rPr>
-              <a:t>Cảm biến là dữ liệu đầu vào Inputs</a:t>
+              <a:t>5.2 Cảm biến là dữ liệu đầu vào Inputs</a:t>
             </a:r>
             <a:endParaRPr lang="en-US" sz="2400" b="1" dirty="0">
               <a:solidFill>
@@ -6140,17 +5021,7 @@
                 <a:latin typeface="UTM Helve" panose="02040603050506020204" pitchFamily="18" charset="0"/>
                 <a:ea typeface="Roboto" pitchFamily="2" charset="0"/>
               </a:rPr>
-              <a:t>5.2 </a:t>
-            </a:r>
-            <a:r>
-              <a:rPr lang="en-US" sz="2400" b="1" dirty="0" smtClean="0">
-                <a:solidFill>
-                  <a:srgbClr val="EC5F77"/>
-                </a:solidFill>
-                <a:latin typeface="UTM Helve" panose="02040603050506020204" pitchFamily="18" charset="0"/>
-                <a:ea typeface="Roboto" pitchFamily="2" charset="0"/>
-              </a:rPr>
-              <a:t>Cảm biến là dữ liệu đầu vào Inputs</a:t>
+              <a:t>5.2 Cảm biến là dữ liệu đầu vào Inputs</a:t>
             </a:r>
             <a:endParaRPr lang="en-US" sz="2400" b="1" dirty="0">
               <a:solidFill>
@@ -6526,17 +5397,7 @@
                 <a:latin typeface="UTM Helve" panose="02040603050506020204" pitchFamily="18" charset="0"/>
                 <a:ea typeface="Roboto" pitchFamily="2" charset="0"/>
               </a:rPr>
-              <a:t>5.2 </a:t>
-            </a:r>
-            <a:r>
-              <a:rPr lang="en-US" sz="2400" b="1" dirty="0" smtClean="0">
-                <a:solidFill>
-                  <a:srgbClr val="EC5F77"/>
-                </a:solidFill>
-                <a:latin typeface="UTM Helve" panose="02040603050506020204" pitchFamily="18" charset="0"/>
-                <a:ea typeface="Roboto" pitchFamily="2" charset="0"/>
-              </a:rPr>
-              <a:t>Cảm biến là dữ liệu đầu vào Inputs</a:t>
+              <a:t>5.2 Cảm biến là dữ liệu đầu vào Inputs</a:t>
             </a:r>
             <a:endParaRPr lang="en-US" sz="2400" b="1" dirty="0">
               <a:solidFill>
@@ -7094,17 +5955,7 @@
                 <a:latin typeface="UTM Helve" panose="02040603050506020204" pitchFamily="18" charset="0"/>
                 <a:ea typeface="Roboto" pitchFamily="2" charset="0"/>
               </a:rPr>
-              <a:t>5.2 </a:t>
-            </a:r>
-            <a:r>
-              <a:rPr lang="en-US" sz="2400" b="1" dirty="0" smtClean="0">
-                <a:solidFill>
-                  <a:srgbClr val="EC5F77"/>
-                </a:solidFill>
-                <a:latin typeface="UTM Helve" panose="02040603050506020204" pitchFamily="18" charset="0"/>
-                <a:ea typeface="Roboto" pitchFamily="2" charset="0"/>
-              </a:rPr>
-              <a:t>Cảm biến là dữ liệu đầu vào Inputs</a:t>
+              <a:t>5.2 Cảm biến là dữ liệu đầu vào Inputs</a:t>
             </a:r>
             <a:endParaRPr lang="en-US" sz="2400" b="1" dirty="0">
               <a:solidFill>
@@ -7453,309 +6304,7 @@
       </p:sp>
       <p:sp>
         <p:nvSpPr>
-          <p:cNvPr id="3" name="Title 1"/>
-          <p:cNvSpPr txBox="1">
-            <a:spLocks/>
-          </p:cNvSpPr>
-          <p:nvPr/>
-        </p:nvSpPr>
-        <p:spPr>
-          <a:xfrm>
-            <a:off x="709053" y="4862785"/>
-            <a:ext cx="5644503" cy="508846"/>
-          </a:xfrm>
-          <a:prstGeom prst="rect">
-            <a:avLst/>
-          </a:prstGeom>
-        </p:spPr>
-        <p:txBody>
-          <a:bodyPr/>
-          <a:lstStyle>
-            <a:lvl1pPr algn="l" defTabSz="914400" rtl="0" eaLnBrk="1" latinLnBrk="0" hangingPunct="1">
-              <a:lnSpc>
-                <a:spcPct val="90000"/>
-              </a:lnSpc>
-              <a:spcBef>
-                <a:spcPct val="0"/>
-              </a:spcBef>
-              <a:buNone/>
-              <a:defRPr sz="3200" b="1" kern="1200">
-                <a:solidFill>
-                  <a:srgbClr val="019DD0"/>
-                </a:solidFill>
-                <a:latin typeface="Arial" panose="020B0604020202020204" pitchFamily="34" charset="0"/>
-                <a:ea typeface="+mj-ea"/>
-                <a:cs typeface="Arial" panose="020B0604020202020204" pitchFamily="34" charset="0"/>
-              </a:defRPr>
-            </a:lvl1pPr>
-          </a:lstStyle>
-          <a:p>
-            <a:pPr>
-              <a:lnSpc>
-                <a:spcPct val="100000"/>
-              </a:lnSpc>
-            </a:pPr>
-            <a:r>
-              <a:rPr lang="en-US" sz="2000" b="0" dirty="0" smtClean="0">
-                <a:solidFill>
-                  <a:schemeClr val="tx1">
-                    <a:lumMod val="95000"/>
-                    <a:lumOff val="5000"/>
-                  </a:schemeClr>
-                </a:solidFill>
-                <a:ea typeface="Roboto Condensed" pitchFamily="2" charset="0"/>
-              </a:rPr>
-              <a:t>Bước 1: Click Download tải file về máy tính</a:t>
-            </a:r>
-          </a:p>
-        </p:txBody>
-      </p:sp>
-      <p:pic>
-        <p:nvPicPr>
-          <p:cNvPr id="4" name="Picture 3"/>
-          <p:cNvPicPr>
-            <a:picLocks noChangeAspect="1"/>
-          </p:cNvPicPr>
-          <p:nvPr/>
-        </p:nvPicPr>
-        <p:blipFill>
-          <a:blip r:embed="rId2"/>
-          <a:stretch>
-            <a:fillRect/>
-          </a:stretch>
-        </p:blipFill>
-        <p:spPr>
-          <a:xfrm>
-            <a:off x="5743928" y="4822111"/>
-            <a:ext cx="2909512" cy="456394"/>
-          </a:xfrm>
-          <a:prstGeom prst="rect">
-            <a:avLst/>
-          </a:prstGeom>
-        </p:spPr>
-      </p:pic>
-      <p:sp>
-        <p:nvSpPr>
-          <p:cNvPr id="5" name="Title 1"/>
-          <p:cNvSpPr txBox="1">
-            <a:spLocks/>
-          </p:cNvSpPr>
-          <p:nvPr/>
-        </p:nvSpPr>
-        <p:spPr>
-          <a:xfrm>
-            <a:off x="709053" y="5412305"/>
-            <a:ext cx="8047836" cy="496573"/>
-          </a:xfrm>
-          <a:prstGeom prst="rect">
-            <a:avLst/>
-          </a:prstGeom>
-        </p:spPr>
-        <p:txBody>
-          <a:bodyPr/>
-          <a:lstStyle>
-            <a:lvl1pPr algn="l" defTabSz="914400" rtl="0" eaLnBrk="1" latinLnBrk="0" hangingPunct="1">
-              <a:lnSpc>
-                <a:spcPct val="90000"/>
-              </a:lnSpc>
-              <a:spcBef>
-                <a:spcPct val="0"/>
-              </a:spcBef>
-              <a:buNone/>
-              <a:defRPr sz="3200" b="1" kern="1200">
-                <a:solidFill>
-                  <a:srgbClr val="019DD0"/>
-                </a:solidFill>
-                <a:latin typeface="Arial" panose="020B0604020202020204" pitchFamily="34" charset="0"/>
-                <a:ea typeface="+mj-ea"/>
-                <a:cs typeface="Arial" panose="020B0604020202020204" pitchFamily="34" charset="0"/>
-              </a:defRPr>
-            </a:lvl1pPr>
-          </a:lstStyle>
-          <a:p>
-            <a:pPr>
-              <a:lnSpc>
-                <a:spcPct val="100000"/>
-              </a:lnSpc>
-            </a:pPr>
-            <a:r>
-              <a:rPr lang="en-US" sz="2000" b="0" dirty="0" smtClean="0">
-                <a:solidFill>
-                  <a:schemeClr val="tx1">
-                    <a:lumMod val="95000"/>
-                    <a:lumOff val="5000"/>
-                  </a:schemeClr>
-                </a:solidFill>
-                <a:ea typeface="Roboto Condensed" pitchFamily="2" charset="0"/>
-              </a:rPr>
-              <a:t>Bước 2: Gắn đầu USB vào máy tính, đầu micro USB vào micro:bit </a:t>
-            </a:r>
-          </a:p>
-        </p:txBody>
-      </p:sp>
-      <p:sp>
-        <p:nvSpPr>
-          <p:cNvPr id="8" name="TextBox 7"/>
-          <p:cNvSpPr txBox="1"/>
-          <p:nvPr/>
-        </p:nvSpPr>
-        <p:spPr>
-          <a:xfrm>
-            <a:off x="1265305" y="1364739"/>
-            <a:ext cx="5649845" cy="461665"/>
-          </a:xfrm>
-          <a:prstGeom prst="rect">
-            <a:avLst/>
-          </a:prstGeom>
-          <a:noFill/>
-        </p:spPr>
-        <p:txBody>
-          <a:bodyPr wrap="square" rtlCol="0">
-            <a:spAutoFit/>
-          </a:bodyPr>
-          <a:lstStyle/>
-          <a:p>
-            <a:r>
-              <a:rPr lang="en-US" sz="2400" b="1" dirty="0" smtClean="0">
-                <a:solidFill>
-                  <a:schemeClr val="tx1">
-                    <a:lumMod val="85000"/>
-                    <a:lumOff val="15000"/>
-                  </a:schemeClr>
-                </a:solidFill>
-                <a:latin typeface="UTM Helve" panose="02040603050506020204" pitchFamily="18" charset="0"/>
-                <a:ea typeface="Roboto" pitchFamily="2" charset="0"/>
-              </a:rPr>
-              <a:t>Đưa chương trình vào micro:bit</a:t>
-            </a:r>
-            <a:endParaRPr lang="en-US" sz="2400" b="1" dirty="0">
-              <a:solidFill>
-                <a:schemeClr val="tx1">
-                  <a:lumMod val="85000"/>
-                  <a:lumOff val="15000"/>
-                </a:schemeClr>
-              </a:solidFill>
-              <a:latin typeface="UTM Helve" panose="02040603050506020204" pitchFamily="18" charset="0"/>
-              <a:ea typeface="Roboto" pitchFamily="2" charset="0"/>
-            </a:endParaRPr>
-          </a:p>
-        </p:txBody>
-      </p:sp>
-      <p:pic>
-        <p:nvPicPr>
-          <p:cNvPr id="9" name="Picture 8"/>
-          <p:cNvPicPr>
-            <a:picLocks noChangeAspect="1"/>
-          </p:cNvPicPr>
-          <p:nvPr/>
-        </p:nvPicPr>
-        <p:blipFill>
-          <a:blip r:embed="rId3">
-            <a:extLst>
-              <a:ext uri="{28A0092B-C50C-407E-A947-70E740481C1C}">
-                <a14:useLocalDpi xmlns:a14="http://schemas.microsoft.com/office/drawing/2010/main" val="0"/>
-              </a:ext>
-            </a:extLst>
-          </a:blip>
-          <a:stretch>
-            <a:fillRect/>
-          </a:stretch>
-        </p:blipFill>
-        <p:spPr>
-          <a:xfrm>
-            <a:off x="709053" y="1437696"/>
-            <a:ext cx="466725" cy="409575"/>
-          </a:xfrm>
-          <a:prstGeom prst="rect">
-            <a:avLst/>
-          </a:prstGeom>
-        </p:spPr>
-      </p:pic>
-      <p:pic>
-        <p:nvPicPr>
-          <p:cNvPr id="11" name="Picture 10"/>
-          <p:cNvPicPr>
-            <a:picLocks noChangeAspect="1"/>
-          </p:cNvPicPr>
-          <p:nvPr/>
-        </p:nvPicPr>
-        <p:blipFill rotWithShape="1">
-          <a:blip r:embed="rId4"/>
-          <a:srcRect t="9567"/>
-          <a:stretch/>
-        </p:blipFill>
-        <p:spPr>
-          <a:xfrm>
-            <a:off x="1477989" y="1992477"/>
-            <a:ext cx="6441059" cy="2452204"/>
-          </a:xfrm>
-          <a:prstGeom prst="rect">
-            <a:avLst/>
-          </a:prstGeom>
-        </p:spPr>
-      </p:pic>
-      <p:sp>
-        <p:nvSpPr>
-          <p:cNvPr id="12" name="Title 1"/>
-          <p:cNvSpPr txBox="1">
-            <a:spLocks/>
-          </p:cNvSpPr>
-          <p:nvPr/>
-        </p:nvSpPr>
-        <p:spPr>
-          <a:xfrm>
-            <a:off x="709053" y="5983805"/>
-            <a:ext cx="8047836" cy="496573"/>
-          </a:xfrm>
-          <a:prstGeom prst="rect">
-            <a:avLst/>
-          </a:prstGeom>
-        </p:spPr>
-        <p:txBody>
-          <a:bodyPr/>
-          <a:lstStyle>
-            <a:lvl1pPr algn="l" defTabSz="914400" rtl="0" eaLnBrk="1" latinLnBrk="0" hangingPunct="1">
-              <a:lnSpc>
-                <a:spcPct val="90000"/>
-              </a:lnSpc>
-              <a:spcBef>
-                <a:spcPct val="0"/>
-              </a:spcBef>
-              <a:buNone/>
-              <a:defRPr sz="3200" b="1" kern="1200">
-                <a:solidFill>
-                  <a:srgbClr val="019DD0"/>
-                </a:solidFill>
-                <a:latin typeface="Arial" panose="020B0604020202020204" pitchFamily="34" charset="0"/>
-                <a:ea typeface="+mj-ea"/>
-                <a:cs typeface="Arial" panose="020B0604020202020204" pitchFamily="34" charset="0"/>
-              </a:defRPr>
-            </a:lvl1pPr>
-          </a:lstStyle>
-          <a:p>
-            <a:pPr>
-              <a:lnSpc>
-                <a:spcPct val="100000"/>
-              </a:lnSpc>
-            </a:pPr>
-            <a:r>
-              <a:rPr lang="en-US" sz="2000" b="0" dirty="0" smtClean="0">
-                <a:solidFill>
-                  <a:schemeClr val="tx1">
-                    <a:lumMod val="95000"/>
-                    <a:lumOff val="5000"/>
-                  </a:schemeClr>
-                </a:solidFill>
-                <a:ea typeface="Roboto Condensed" pitchFamily="2" charset="0"/>
-              </a:rPr>
-              <a:t>Bước 3: Copy file .hex vào micro:bit </a:t>
-            </a:r>
-          </a:p>
-        </p:txBody>
-      </p:sp>
-      <p:sp>
-        <p:nvSpPr>
-          <p:cNvPr id="13" name="Rectangle 12"/>
+          <p:cNvPr id="3" name="Rectangle 2"/>
           <p:cNvSpPr/>
           <p:nvPr/>
         </p:nvSpPr>
@@ -7810,7 +6359,7 @@
       </p:sp>
       <p:sp>
         <p:nvSpPr>
-          <p:cNvPr id="14" name="TextBox 13"/>
+          <p:cNvPr id="4" name="TextBox 3"/>
           <p:cNvSpPr txBox="1"/>
           <p:nvPr/>
         </p:nvSpPr>
@@ -7838,17 +6387,7 @@
                 <a:latin typeface="UTM Helve" panose="02040603050506020204" pitchFamily="18" charset="0"/>
                 <a:ea typeface="Roboto" pitchFamily="2" charset="0"/>
               </a:rPr>
-              <a:t>5.2 </a:t>
-            </a:r>
-            <a:r>
-              <a:rPr lang="en-US" sz="2400" b="1" dirty="0" smtClean="0">
-                <a:solidFill>
-                  <a:srgbClr val="EC5F77"/>
-                </a:solidFill>
-                <a:latin typeface="UTM Helve" panose="02040603050506020204" pitchFamily="18" charset="0"/>
-                <a:ea typeface="Roboto" pitchFamily="2" charset="0"/>
-              </a:rPr>
-              <a:t>Cảm biến là dữ liệu đầu vào Inputs</a:t>
+              <a:t>5.3 Hoạt động học viên</a:t>
             </a:r>
             <a:endParaRPr lang="en-US" sz="2400" b="1" dirty="0">
               <a:solidFill>
@@ -7860,10 +6399,328 @@
           </a:p>
         </p:txBody>
       </p:sp>
+      <p:sp>
+        <p:nvSpPr>
+          <p:cNvPr id="5" name="TextBox 4"/>
+          <p:cNvSpPr txBox="1"/>
+          <p:nvPr/>
+        </p:nvSpPr>
+        <p:spPr>
+          <a:xfrm>
+            <a:off x="1265305" y="1364739"/>
+            <a:ext cx="5649845" cy="461665"/>
+          </a:xfrm>
+          <a:prstGeom prst="rect">
+            <a:avLst/>
+          </a:prstGeom>
+          <a:noFill/>
+        </p:spPr>
+        <p:txBody>
+          <a:bodyPr wrap="square" rtlCol="0">
+            <a:spAutoFit/>
+          </a:bodyPr>
+          <a:lstStyle/>
+          <a:p>
+            <a:r>
+              <a:rPr lang="en-US" sz="2400" b="1" dirty="0" smtClean="0">
+                <a:solidFill>
+                  <a:schemeClr val="tx1">
+                    <a:lumMod val="85000"/>
+                    <a:lumOff val="15000"/>
+                  </a:schemeClr>
+                </a:solidFill>
+                <a:latin typeface="UTM Helve" panose="02040603050506020204" pitchFamily="18" charset="0"/>
+                <a:ea typeface="Roboto" pitchFamily="2" charset="0"/>
+              </a:rPr>
+              <a:t>Đi bộ và sức khỏe</a:t>
+            </a:r>
+            <a:endParaRPr lang="en-US" sz="2400" b="1" dirty="0">
+              <a:solidFill>
+                <a:schemeClr val="tx1">
+                  <a:lumMod val="85000"/>
+                  <a:lumOff val="15000"/>
+                </a:schemeClr>
+              </a:solidFill>
+              <a:latin typeface="UTM Helve" panose="02040603050506020204" pitchFamily="18" charset="0"/>
+              <a:ea typeface="Roboto" pitchFamily="2" charset="0"/>
+            </a:endParaRPr>
+          </a:p>
+        </p:txBody>
+      </p:sp>
+      <p:pic>
+        <p:nvPicPr>
+          <p:cNvPr id="6" name="Picture 5"/>
+          <p:cNvPicPr>
+            <a:picLocks noChangeAspect="1"/>
+          </p:cNvPicPr>
+          <p:nvPr/>
+        </p:nvPicPr>
+        <p:blipFill>
+          <a:blip r:embed="rId2">
+            <a:extLst>
+              <a:ext uri="{28A0092B-C50C-407E-A947-70E740481C1C}">
+                <a14:useLocalDpi xmlns:a14="http://schemas.microsoft.com/office/drawing/2010/main" val="0"/>
+              </a:ext>
+            </a:extLst>
+          </a:blip>
+          <a:stretch>
+            <a:fillRect/>
+          </a:stretch>
+        </p:blipFill>
+        <p:spPr>
+          <a:xfrm>
+            <a:off x="709053" y="1437696"/>
+            <a:ext cx="466725" cy="409575"/>
+          </a:xfrm>
+          <a:prstGeom prst="rect">
+            <a:avLst/>
+          </a:prstGeom>
+        </p:spPr>
+      </p:pic>
+      <p:sp>
+        <p:nvSpPr>
+          <p:cNvPr id="7" name="Rounded Rectangle 6"/>
+          <p:cNvSpPr/>
+          <p:nvPr/>
+        </p:nvSpPr>
+        <p:spPr>
+          <a:xfrm>
+            <a:off x="602588" y="2014330"/>
+            <a:ext cx="3909703" cy="4373218"/>
+          </a:xfrm>
+          <a:prstGeom prst="roundRect">
+            <a:avLst>
+              <a:gd name="adj" fmla="val 3719"/>
+            </a:avLst>
+          </a:prstGeom>
+          <a:noFill/>
+          <a:ln w="19050">
+            <a:solidFill>
+              <a:srgbClr val="EC5F77"/>
+            </a:solidFill>
+            <a:prstDash val="sysDash"/>
+          </a:ln>
+        </p:spPr>
+        <p:style>
+          <a:lnRef idx="2">
+            <a:schemeClr val="accent1">
+              <a:shade val="50000"/>
+            </a:schemeClr>
+          </a:lnRef>
+          <a:fillRef idx="1">
+            <a:schemeClr val="accent1"/>
+          </a:fillRef>
+          <a:effectRef idx="0">
+            <a:schemeClr val="accent1"/>
+          </a:effectRef>
+          <a:fontRef idx="minor">
+            <a:schemeClr val="lt1"/>
+          </a:fontRef>
+        </p:style>
+        <p:txBody>
+          <a:bodyPr rtlCol="0" anchor="ctr"/>
+          <a:lstStyle/>
+          <a:p>
+            <a:pPr algn="ctr"/>
+            <a:endParaRPr lang="en-US"/>
+          </a:p>
+        </p:txBody>
+      </p:sp>
+      <p:sp>
+        <p:nvSpPr>
+          <p:cNvPr id="9" name="Title 1"/>
+          <p:cNvSpPr txBox="1">
+            <a:spLocks/>
+          </p:cNvSpPr>
+          <p:nvPr/>
+        </p:nvSpPr>
+        <p:spPr>
+          <a:xfrm>
+            <a:off x="709053" y="2425454"/>
+            <a:ext cx="4410020" cy="549162"/>
+          </a:xfrm>
+          <a:prstGeom prst="rect">
+            <a:avLst/>
+          </a:prstGeom>
+        </p:spPr>
+        <p:txBody>
+          <a:bodyPr/>
+          <a:lstStyle>
+            <a:lvl1pPr algn="l" defTabSz="914400" rtl="0" eaLnBrk="1" latinLnBrk="0" hangingPunct="1">
+              <a:lnSpc>
+                <a:spcPct val="90000"/>
+              </a:lnSpc>
+              <a:spcBef>
+                <a:spcPct val="0"/>
+              </a:spcBef>
+              <a:buNone/>
+              <a:defRPr sz="3200" b="1" kern="1200">
+                <a:solidFill>
+                  <a:srgbClr val="019DD0"/>
+                </a:solidFill>
+                <a:latin typeface="Arial" panose="020B0604020202020204" pitchFamily="34" charset="0"/>
+                <a:ea typeface="+mj-ea"/>
+                <a:cs typeface="Arial" panose="020B0604020202020204" pitchFamily="34" charset="0"/>
+              </a:defRPr>
+            </a:lvl1pPr>
+          </a:lstStyle>
+          <a:p>
+            <a:pPr>
+              <a:lnSpc>
+                <a:spcPct val="100000"/>
+              </a:lnSpc>
+            </a:pPr>
+            <a:endParaRPr lang="en-US" sz="2000" b="0" dirty="0" smtClean="0">
+              <a:solidFill>
+                <a:schemeClr val="tx1">
+                  <a:lumMod val="95000"/>
+                  <a:lumOff val="5000"/>
+                </a:schemeClr>
+              </a:solidFill>
+              <a:ea typeface="Roboto Condensed" pitchFamily="2" charset="0"/>
+            </a:endParaRPr>
+          </a:p>
+        </p:txBody>
+      </p:sp>
+      <p:sp>
+        <p:nvSpPr>
+          <p:cNvPr id="10" name="Rectangle 9"/>
+          <p:cNvSpPr/>
+          <p:nvPr/>
+        </p:nvSpPr>
+        <p:spPr>
+          <a:xfrm>
+            <a:off x="709053" y="2288155"/>
+            <a:ext cx="3677417" cy="2308324"/>
+          </a:xfrm>
+          <a:prstGeom prst="rect">
+            <a:avLst/>
+          </a:prstGeom>
+        </p:spPr>
+        <p:txBody>
+          <a:bodyPr wrap="square">
+            <a:spAutoFit/>
+          </a:bodyPr>
+          <a:lstStyle/>
+          <a:p>
+            <a:r>
+              <a:rPr lang="vi-VN" dirty="0"/>
+              <a:t>Chuyện là Shara tuy còn nhỏ nhưng lại rất thích đi bộ cùng ba mẹ vào mỗi buổi sáng. Chuyên gia khuyên rằng mỗi ngày nên đi bộ 1000 bước để tăng cường sức khỏe nhưng bạn ấy không biết làm thế nào để nhớ được mình đã đi được bao nhiêu bước</a:t>
+            </a:r>
+            <a:endParaRPr lang="en-US" dirty="0"/>
+          </a:p>
+        </p:txBody>
+      </p:sp>
+      <p:sp>
+        <p:nvSpPr>
+          <p:cNvPr id="11" name="Rectangle 10"/>
+          <p:cNvSpPr/>
+          <p:nvPr/>
+        </p:nvSpPr>
+        <p:spPr>
+          <a:xfrm>
+            <a:off x="718730" y="4668746"/>
+            <a:ext cx="3677417" cy="1477328"/>
+          </a:xfrm>
+          <a:prstGeom prst="rect">
+            <a:avLst/>
+          </a:prstGeom>
+        </p:spPr>
+        <p:txBody>
+          <a:bodyPr wrap="square">
+            <a:spAutoFit/>
+          </a:bodyPr>
+          <a:lstStyle/>
+          <a:p>
+            <a:r>
+              <a:rPr lang="vi-VN" dirty="0"/>
+              <a:t>Bạn hãy dùng micro:bit giúp Shara đếm số bước chân nhé !</a:t>
+            </a:r>
+          </a:p>
+          <a:p>
+            <a:r>
+              <a:rPr lang="vi-VN" dirty="0"/>
+              <a:t/>
+            </a:r>
+            <a:br>
+              <a:rPr lang="vi-VN" dirty="0"/>
+            </a:br>
+            <a:r>
+              <a:rPr lang="vi-VN" dirty="0"/>
+              <a:t>Nếu đủ 1000 bước thì hiển thị icon ✓</a:t>
+            </a:r>
+          </a:p>
+        </p:txBody>
+      </p:sp>
+      <p:pic>
+        <p:nvPicPr>
+          <p:cNvPr id="2050" name="Picture 2" descr="Free vector teenager girl walking with pet  cartoon character on white backg"/>
+          <p:cNvPicPr>
+            <a:picLocks noChangeAspect="1" noChangeArrowheads="1"/>
+          </p:cNvPicPr>
+          <p:nvPr/>
+        </p:nvPicPr>
+        <p:blipFill>
+          <a:blip r:embed="rId3">
+            <a:extLst>
+              <a:ext uri="{28A0092B-C50C-407E-A947-70E740481C1C}">
+                <a14:useLocalDpi xmlns:a14="http://schemas.microsoft.com/office/drawing/2010/main" val="0"/>
+              </a:ext>
+            </a:extLst>
+          </a:blip>
+          <a:srcRect/>
+          <a:stretch>
+            <a:fillRect/>
+          </a:stretch>
+        </p:blipFill>
+        <p:spPr bwMode="auto">
+          <a:xfrm>
+            <a:off x="5868228" y="3505828"/>
+            <a:ext cx="2623930" cy="2881720"/>
+          </a:xfrm>
+          <a:prstGeom prst="rect">
+            <a:avLst/>
+          </a:prstGeom>
+          <a:noFill/>
+          <a:extLst>
+            <a:ext uri="{909E8E84-426E-40DD-AFC4-6F175D3DCCD1}">
+              <a14:hiddenFill xmlns:a14="http://schemas.microsoft.com/office/drawing/2010/main">
+                <a:solidFill>
+                  <a:srgbClr val="FFFFFF"/>
+                </a:solidFill>
+              </a14:hiddenFill>
+            </a:ext>
+          </a:extLst>
+        </p:spPr>
+      </p:pic>
+      <p:pic>
+        <p:nvPicPr>
+          <p:cNvPr id="13" name="Picture 12"/>
+          <p:cNvPicPr>
+            <a:picLocks noChangeAspect="1"/>
+          </p:cNvPicPr>
+          <p:nvPr/>
+        </p:nvPicPr>
+        <p:blipFill>
+          <a:blip r:embed="rId4"/>
+          <a:stretch>
+            <a:fillRect/>
+          </a:stretch>
+        </p:blipFill>
+        <p:spPr>
+          <a:xfrm rot="19846332">
+            <a:off x="4647758" y="1688865"/>
+            <a:ext cx="2189295" cy="1793241"/>
+          </a:xfrm>
+          <a:prstGeom prst="rect">
+            <a:avLst/>
+          </a:prstGeom>
+        </p:spPr>
+      </p:pic>
     </p:spTree>
     <p:extLst>
       <p:ext uri="{BB962C8B-B14F-4D97-AF65-F5344CB8AC3E}">
-        <p14:creationId xmlns:p14="http://schemas.microsoft.com/office/powerpoint/2010/main" val="3773185111"/>
+        <p14:creationId xmlns:p14="http://schemas.microsoft.com/office/powerpoint/2010/main" val="2860998091"/>
       </p:ext>
     </p:extLst>
   </p:cSld>
@@ -7916,267 +6773,7 @@
       </p:sp>
       <p:sp>
         <p:nvSpPr>
-          <p:cNvPr id="5" name="TextBox 4"/>
-          <p:cNvSpPr txBox="1"/>
-          <p:nvPr/>
-        </p:nvSpPr>
-        <p:spPr>
-          <a:xfrm>
-            <a:off x="1265305" y="1364739"/>
-            <a:ext cx="5649845" cy="461665"/>
-          </a:xfrm>
-          <a:prstGeom prst="rect">
-            <a:avLst/>
-          </a:prstGeom>
-          <a:noFill/>
-        </p:spPr>
-        <p:txBody>
-          <a:bodyPr wrap="square" rtlCol="0">
-            <a:spAutoFit/>
-          </a:bodyPr>
-          <a:lstStyle/>
-          <a:p>
-            <a:r>
-              <a:rPr lang="en-US" sz="2400" b="1" dirty="0" smtClean="0">
-                <a:solidFill>
-                  <a:schemeClr val="tx1">
-                    <a:lumMod val="85000"/>
-                    <a:lumOff val="15000"/>
-                  </a:schemeClr>
-                </a:solidFill>
-                <a:latin typeface="UTM Helve" panose="02040603050506020204" pitchFamily="18" charset="0"/>
-                <a:ea typeface="Roboto" pitchFamily="2" charset="0"/>
-              </a:rPr>
-              <a:t>Giữ an toàn cho micro:bit</a:t>
-            </a:r>
-            <a:endParaRPr lang="en-US" sz="2400" b="1" dirty="0">
-              <a:solidFill>
-                <a:schemeClr val="tx1">
-                  <a:lumMod val="85000"/>
-                  <a:lumOff val="15000"/>
-                </a:schemeClr>
-              </a:solidFill>
-              <a:latin typeface="UTM Helve" panose="02040603050506020204" pitchFamily="18" charset="0"/>
-              <a:ea typeface="Roboto" pitchFamily="2" charset="0"/>
-            </a:endParaRPr>
-          </a:p>
-        </p:txBody>
-      </p:sp>
-      <p:pic>
-        <p:nvPicPr>
-          <p:cNvPr id="6" name="Picture 5"/>
-          <p:cNvPicPr>
-            <a:picLocks noChangeAspect="1"/>
-          </p:cNvPicPr>
-          <p:nvPr/>
-        </p:nvPicPr>
-        <p:blipFill>
-          <a:blip r:embed="rId2">
-            <a:extLst>
-              <a:ext uri="{28A0092B-C50C-407E-A947-70E740481C1C}">
-                <a14:useLocalDpi xmlns:a14="http://schemas.microsoft.com/office/drawing/2010/main" val="0"/>
-              </a:ext>
-            </a:extLst>
-          </a:blip>
-          <a:stretch>
-            <a:fillRect/>
-          </a:stretch>
-        </p:blipFill>
-        <p:spPr>
-          <a:xfrm>
-            <a:off x="709053" y="1437696"/>
-            <a:ext cx="466725" cy="409575"/>
-          </a:xfrm>
-          <a:prstGeom prst="rect">
-            <a:avLst/>
-          </a:prstGeom>
-        </p:spPr>
-      </p:pic>
-      <p:pic>
-        <p:nvPicPr>
-          <p:cNvPr id="7" name="Google Shape;149;p5"/>
-          <p:cNvPicPr preferRelativeResize="0"/>
-          <p:nvPr/>
-        </p:nvPicPr>
-        <p:blipFill rotWithShape="1">
-          <a:blip r:embed="rId3">
-            <a:alphaModFix/>
-          </a:blip>
-          <a:srcRect/>
-          <a:stretch/>
-        </p:blipFill>
-        <p:spPr>
-          <a:xfrm>
-            <a:off x="804690" y="2535250"/>
-            <a:ext cx="3206517" cy="3182856"/>
-          </a:xfrm>
-          <a:prstGeom prst="rect">
-            <a:avLst/>
-          </a:prstGeom>
-          <a:noFill/>
-          <a:ln>
-            <a:noFill/>
-          </a:ln>
-        </p:spPr>
-      </p:pic>
-      <p:sp>
-        <p:nvSpPr>
-          <p:cNvPr id="8" name="Title 1"/>
-          <p:cNvSpPr txBox="1">
-            <a:spLocks/>
-          </p:cNvSpPr>
-          <p:nvPr/>
-        </p:nvSpPr>
-        <p:spPr>
-          <a:xfrm>
-            <a:off x="4261791" y="2490360"/>
-            <a:ext cx="4253559" cy="3227746"/>
-          </a:xfrm>
-          <a:prstGeom prst="rect">
-            <a:avLst/>
-          </a:prstGeom>
-        </p:spPr>
-        <p:txBody>
-          <a:bodyPr/>
-          <a:lstStyle>
-            <a:lvl1pPr algn="l" defTabSz="914400" rtl="0" eaLnBrk="1" latinLnBrk="0" hangingPunct="1">
-              <a:lnSpc>
-                <a:spcPct val="90000"/>
-              </a:lnSpc>
-              <a:spcBef>
-                <a:spcPct val="0"/>
-              </a:spcBef>
-              <a:buNone/>
-              <a:defRPr sz="3200" b="1" kern="1200">
-                <a:solidFill>
-                  <a:srgbClr val="019DD0"/>
-                </a:solidFill>
-                <a:latin typeface="Arial" panose="020B0604020202020204" pitchFamily="34" charset="0"/>
-                <a:ea typeface="+mj-ea"/>
-                <a:cs typeface="Arial" panose="020B0604020202020204" pitchFamily="34" charset="0"/>
-              </a:defRPr>
-            </a:lvl1pPr>
-          </a:lstStyle>
-          <a:p>
-            <a:pPr marL="342900" indent="-342900">
-              <a:lnSpc>
-                <a:spcPct val="100000"/>
-              </a:lnSpc>
-              <a:buFont typeface="Arial" panose="020B0604020202020204" pitchFamily="34" charset="0"/>
-              <a:buChar char="•"/>
-            </a:pPr>
-            <a:r>
-              <a:rPr lang="en-US" sz="2400" b="0" dirty="0">
-                <a:solidFill>
-                  <a:schemeClr val="tx1">
-                    <a:lumMod val="95000"/>
-                    <a:lumOff val="5000"/>
-                  </a:schemeClr>
-                </a:solidFill>
-                <a:ea typeface="Roboto Condensed" pitchFamily="2" charset="0"/>
-              </a:rPr>
-              <a:t>Cầm micro:bit cẩn thận ở các </a:t>
-            </a:r>
-            <a:r>
-              <a:rPr lang="en-US" sz="2400" b="0" dirty="0" smtClean="0">
-                <a:solidFill>
-                  <a:schemeClr val="tx1">
-                    <a:lumMod val="95000"/>
-                    <a:lumOff val="5000"/>
-                  </a:schemeClr>
-                </a:solidFill>
-                <a:ea typeface="Roboto Condensed" pitchFamily="2" charset="0"/>
-              </a:rPr>
-              <a:t>cạnh</a:t>
-            </a:r>
-            <a:br>
-              <a:rPr lang="en-US" sz="2400" b="0" dirty="0" smtClean="0">
-                <a:solidFill>
-                  <a:schemeClr val="tx1">
-                    <a:lumMod val="95000"/>
-                    <a:lumOff val="5000"/>
-                  </a:schemeClr>
-                </a:solidFill>
-                <a:ea typeface="Roboto Condensed" pitchFamily="2" charset="0"/>
-              </a:rPr>
-            </a:br>
-            <a:endParaRPr lang="en-US" sz="2400" b="0" dirty="0" smtClean="0">
-              <a:solidFill>
-                <a:schemeClr val="tx1">
-                  <a:lumMod val="95000"/>
-                  <a:lumOff val="5000"/>
-                </a:schemeClr>
-              </a:solidFill>
-              <a:ea typeface="Roboto Condensed" pitchFamily="2" charset="0"/>
-            </a:endParaRPr>
-          </a:p>
-          <a:p>
-            <a:pPr marL="342900" indent="-342900">
-              <a:lnSpc>
-                <a:spcPct val="100000"/>
-              </a:lnSpc>
-              <a:buFont typeface="Arial" panose="020B0604020202020204" pitchFamily="34" charset="0"/>
-              <a:buChar char="•"/>
-            </a:pPr>
-            <a:r>
-              <a:rPr lang="en-US" sz="2400" b="0" dirty="0" smtClean="0">
-                <a:solidFill>
-                  <a:schemeClr val="tx1">
-                    <a:lumMod val="95000"/>
-                    <a:lumOff val="5000"/>
-                  </a:schemeClr>
-                </a:solidFill>
-                <a:ea typeface="Roboto Condensed" pitchFamily="2" charset="0"/>
-              </a:rPr>
-              <a:t>Tránh chạm vào các bộ phận</a:t>
-            </a:r>
-            <a:br>
-              <a:rPr lang="en-US" sz="2400" b="0" dirty="0" smtClean="0">
-                <a:solidFill>
-                  <a:schemeClr val="tx1">
-                    <a:lumMod val="95000"/>
-                    <a:lumOff val="5000"/>
-                  </a:schemeClr>
-                </a:solidFill>
-                <a:ea typeface="Roboto Condensed" pitchFamily="2" charset="0"/>
-              </a:rPr>
-            </a:br>
-            <a:endParaRPr lang="en-US" sz="2400" b="0" dirty="0" smtClean="0">
-              <a:solidFill>
-                <a:schemeClr val="tx1">
-                  <a:lumMod val="95000"/>
-                  <a:lumOff val="5000"/>
-                </a:schemeClr>
-              </a:solidFill>
-              <a:ea typeface="Roboto Condensed" pitchFamily="2" charset="0"/>
-            </a:endParaRPr>
-          </a:p>
-          <a:p>
-            <a:pPr marL="342900" indent="-342900">
-              <a:lnSpc>
-                <a:spcPct val="100000"/>
-              </a:lnSpc>
-              <a:buFont typeface="Arial" panose="020B0604020202020204" pitchFamily="34" charset="0"/>
-              <a:buChar char="•"/>
-            </a:pPr>
-            <a:r>
-              <a:rPr lang="en-US" sz="2400" b="0" dirty="0" smtClean="0">
-                <a:solidFill>
-                  <a:schemeClr val="tx1">
-                    <a:lumMod val="95000"/>
-                    <a:lumOff val="5000"/>
-                  </a:schemeClr>
-                </a:solidFill>
-                <a:ea typeface="Roboto Condensed" pitchFamily="2" charset="0"/>
-              </a:rPr>
-              <a:t>Tránh xa micro:bit khỏi nước</a:t>
-            </a:r>
-          </a:p>
-        </p:txBody>
-      </p:sp>
-      <p:sp>
-        <p:nvSpPr>
-          <p:cNvPr id="9" name="Rectangle 8"/>
+          <p:cNvPr id="3" name="Rectangle 2"/>
           <p:cNvSpPr/>
           <p:nvPr/>
         </p:nvSpPr>
@@ -8231,7 +6828,7 @@
       </p:sp>
       <p:sp>
         <p:nvSpPr>
-          <p:cNvPr id="10" name="TextBox 9"/>
+          <p:cNvPr id="4" name="TextBox 3"/>
           <p:cNvSpPr txBox="1"/>
           <p:nvPr/>
         </p:nvSpPr>
@@ -8259,17 +6856,7 @@
                 <a:latin typeface="UTM Helve" panose="02040603050506020204" pitchFamily="18" charset="0"/>
                 <a:ea typeface="Roboto" pitchFamily="2" charset="0"/>
               </a:rPr>
-              <a:t>5.2 </a:t>
-            </a:r>
-            <a:r>
-              <a:rPr lang="en-US" sz="2400" b="1" dirty="0" smtClean="0">
-                <a:solidFill>
-                  <a:srgbClr val="EC5F77"/>
-                </a:solidFill>
-                <a:latin typeface="UTM Helve" panose="02040603050506020204" pitchFamily="18" charset="0"/>
-                <a:ea typeface="Roboto" pitchFamily="2" charset="0"/>
-              </a:rPr>
-              <a:t>Cảm biến là dữ liệu đầu vào Inputs</a:t>
+              <a:t>5.3 Hoạt động học viên</a:t>
             </a:r>
             <a:endParaRPr lang="en-US" sz="2400" b="1" dirty="0">
               <a:solidFill>
@@ -8281,10 +6868,448 @@
           </a:p>
         </p:txBody>
       </p:sp>
+      <p:sp>
+        <p:nvSpPr>
+          <p:cNvPr id="5" name="TextBox 4"/>
+          <p:cNvSpPr txBox="1"/>
+          <p:nvPr/>
+        </p:nvSpPr>
+        <p:spPr>
+          <a:xfrm>
+            <a:off x="1265305" y="1364739"/>
+            <a:ext cx="5649845" cy="461665"/>
+          </a:xfrm>
+          <a:prstGeom prst="rect">
+            <a:avLst/>
+          </a:prstGeom>
+          <a:noFill/>
+        </p:spPr>
+        <p:txBody>
+          <a:bodyPr wrap="square" rtlCol="0">
+            <a:spAutoFit/>
+          </a:bodyPr>
+          <a:lstStyle/>
+          <a:p>
+            <a:r>
+              <a:rPr lang="en-US" sz="2400" b="1" dirty="0" smtClean="0">
+                <a:solidFill>
+                  <a:schemeClr val="tx1">
+                    <a:lumMod val="85000"/>
+                    <a:lumOff val="15000"/>
+                  </a:schemeClr>
+                </a:solidFill>
+                <a:latin typeface="UTM Helve" panose="02040603050506020204" pitchFamily="18" charset="0"/>
+                <a:ea typeface="Roboto" pitchFamily="2" charset="0"/>
+              </a:rPr>
+              <a:t>Xúc xắc kỹ thuật số</a:t>
+            </a:r>
+            <a:endParaRPr lang="en-US" sz="2400" b="1" dirty="0">
+              <a:solidFill>
+                <a:schemeClr val="tx1">
+                  <a:lumMod val="85000"/>
+                  <a:lumOff val="15000"/>
+                </a:schemeClr>
+              </a:solidFill>
+              <a:latin typeface="UTM Helve" panose="02040603050506020204" pitchFamily="18" charset="0"/>
+              <a:ea typeface="Roboto" pitchFamily="2" charset="0"/>
+            </a:endParaRPr>
+          </a:p>
+        </p:txBody>
+      </p:sp>
+      <p:pic>
+        <p:nvPicPr>
+          <p:cNvPr id="6" name="Picture 5"/>
+          <p:cNvPicPr>
+            <a:picLocks noChangeAspect="1"/>
+          </p:cNvPicPr>
+          <p:nvPr/>
+        </p:nvPicPr>
+        <p:blipFill>
+          <a:blip r:embed="rId2">
+            <a:extLst>
+              <a:ext uri="{28A0092B-C50C-407E-A947-70E740481C1C}">
+                <a14:useLocalDpi xmlns:a14="http://schemas.microsoft.com/office/drawing/2010/main" val="0"/>
+              </a:ext>
+            </a:extLst>
+          </a:blip>
+          <a:stretch>
+            <a:fillRect/>
+          </a:stretch>
+        </p:blipFill>
+        <p:spPr>
+          <a:xfrm>
+            <a:off x="709053" y="1437696"/>
+            <a:ext cx="466725" cy="409575"/>
+          </a:xfrm>
+          <a:prstGeom prst="rect">
+            <a:avLst/>
+          </a:prstGeom>
+        </p:spPr>
+      </p:pic>
+      <p:sp>
+        <p:nvSpPr>
+          <p:cNvPr id="7" name="Rounded Rectangle 6"/>
+          <p:cNvSpPr/>
+          <p:nvPr/>
+        </p:nvSpPr>
+        <p:spPr>
+          <a:xfrm>
+            <a:off x="602588" y="2206156"/>
+            <a:ext cx="3909703" cy="4014967"/>
+          </a:xfrm>
+          <a:prstGeom prst="roundRect">
+            <a:avLst>
+              <a:gd name="adj" fmla="val 3719"/>
+            </a:avLst>
+          </a:prstGeom>
+          <a:noFill/>
+          <a:ln w="19050">
+            <a:solidFill>
+              <a:srgbClr val="EC5F77"/>
+            </a:solidFill>
+            <a:prstDash val="sysDash"/>
+          </a:ln>
+        </p:spPr>
+        <p:style>
+          <a:lnRef idx="2">
+            <a:schemeClr val="accent1">
+              <a:shade val="50000"/>
+            </a:schemeClr>
+          </a:lnRef>
+          <a:fillRef idx="1">
+            <a:schemeClr val="accent1"/>
+          </a:fillRef>
+          <a:effectRef idx="0">
+            <a:schemeClr val="accent1"/>
+          </a:effectRef>
+          <a:fontRef idx="minor">
+            <a:schemeClr val="lt1"/>
+          </a:fontRef>
+        </p:style>
+        <p:txBody>
+          <a:bodyPr rtlCol="0" anchor="ctr"/>
+          <a:lstStyle/>
+          <a:p>
+            <a:pPr algn="ctr"/>
+            <a:endParaRPr lang="en-US"/>
+          </a:p>
+        </p:txBody>
+      </p:sp>
+      <p:sp>
+        <p:nvSpPr>
+          <p:cNvPr id="8" name="Rectangle 7"/>
+          <p:cNvSpPr/>
+          <p:nvPr/>
+        </p:nvSpPr>
+        <p:spPr>
+          <a:xfrm>
+            <a:off x="709053" y="2288155"/>
+            <a:ext cx="3677417" cy="923330"/>
+          </a:xfrm>
+          <a:prstGeom prst="rect">
+            <a:avLst/>
+          </a:prstGeom>
+        </p:spPr>
+        <p:txBody>
+          <a:bodyPr wrap="square">
+            <a:spAutoFit/>
+          </a:bodyPr>
+          <a:lstStyle/>
+          <a:p>
+            <a:r>
+              <a:rPr lang="vi-VN" dirty="0"/>
+              <a:t>Doreamon và Nobita muốn chơi cá ngựa nhưng Nobita đãng trí đã làm mất 2 hạt xúc </a:t>
+            </a:r>
+            <a:r>
+              <a:rPr lang="vi-VN" dirty="0" smtClean="0"/>
+              <a:t>xắc</a:t>
+            </a:r>
+            <a:r>
+              <a:rPr lang="en-US" dirty="0" smtClean="0"/>
+              <a:t>.</a:t>
+            </a:r>
+            <a:endParaRPr lang="en-US" dirty="0"/>
+          </a:p>
+        </p:txBody>
+      </p:sp>
+      <p:sp>
+        <p:nvSpPr>
+          <p:cNvPr id="9" name="Rectangle 8"/>
+          <p:cNvSpPr/>
+          <p:nvPr/>
+        </p:nvSpPr>
+        <p:spPr>
+          <a:xfrm>
+            <a:off x="709053" y="3401338"/>
+            <a:ext cx="3677417" cy="923330"/>
+          </a:xfrm>
+          <a:prstGeom prst="rect">
+            <a:avLst/>
+          </a:prstGeom>
+        </p:spPr>
+        <p:txBody>
+          <a:bodyPr wrap="square">
+            <a:spAutoFit/>
+          </a:bodyPr>
+          <a:lstStyle/>
+          <a:p>
+            <a:r>
+              <a:rPr lang="vi-VN" dirty="0"/>
+              <a:t>Bạn có thể giúp Doreamon và Nobita chơi cá ngựa mà không cần đến xúc xắc không ?</a:t>
+            </a:r>
+            <a:endParaRPr lang="en-US" dirty="0"/>
+          </a:p>
+        </p:txBody>
+      </p:sp>
+      <p:sp>
+        <p:nvSpPr>
+          <p:cNvPr id="10" name="Rectangle 9"/>
+          <p:cNvSpPr/>
+          <p:nvPr/>
+        </p:nvSpPr>
+        <p:spPr>
+          <a:xfrm>
+            <a:off x="709053" y="4554277"/>
+            <a:ext cx="3677417" cy="1200329"/>
+          </a:xfrm>
+          <a:prstGeom prst="rect">
+            <a:avLst/>
+          </a:prstGeom>
+        </p:spPr>
+        <p:txBody>
+          <a:bodyPr wrap="square">
+            <a:spAutoFit/>
+          </a:bodyPr>
+          <a:lstStyle/>
+          <a:p>
+            <a:r>
+              <a:rPr lang="en-US" dirty="0"/>
+              <a:t>Gợi ý sử dụng một </a:t>
+            </a:r>
+            <a:r>
+              <a:rPr lang="en-US" dirty="0" smtClean="0"/>
+              <a:t>biến số ngẫu nhiên </a:t>
+            </a:r>
+            <a:r>
+              <a:rPr lang="en-US" dirty="0"/>
+              <a:t>random từ 1 đến </a:t>
+            </a:r>
+            <a:r>
+              <a:rPr lang="en-US" dirty="0" smtClean="0"/>
+              <a:t>6. Lắc micro:bit một cái thì hiển thị số ra màn hình LED</a:t>
+            </a:r>
+            <a:endParaRPr lang="en-US" dirty="0"/>
+          </a:p>
+        </p:txBody>
+      </p:sp>
+      <p:pic>
+        <p:nvPicPr>
+          <p:cNvPr id="11" name="Picture 10"/>
+          <p:cNvPicPr>
+            <a:picLocks noChangeAspect="1"/>
+          </p:cNvPicPr>
+          <p:nvPr/>
+        </p:nvPicPr>
+        <p:blipFill>
+          <a:blip r:embed="rId3"/>
+          <a:stretch>
+            <a:fillRect/>
+          </a:stretch>
+        </p:blipFill>
+        <p:spPr>
+          <a:xfrm>
+            <a:off x="5256856" y="1847271"/>
+            <a:ext cx="2999248" cy="2040726"/>
+          </a:xfrm>
+          <a:prstGeom prst="rect">
+            <a:avLst/>
+          </a:prstGeom>
+        </p:spPr>
+      </p:pic>
+      <p:pic>
+        <p:nvPicPr>
+          <p:cNvPr id="12" name="Picture 11"/>
+          <p:cNvPicPr>
+            <a:picLocks noChangeAspect="1"/>
+          </p:cNvPicPr>
+          <p:nvPr/>
+        </p:nvPicPr>
+        <p:blipFill>
+          <a:blip r:embed="rId4"/>
+          <a:stretch>
+            <a:fillRect/>
+          </a:stretch>
+        </p:blipFill>
+        <p:spPr>
+          <a:xfrm rot="1041515">
+            <a:off x="5661831" y="4097902"/>
+            <a:ext cx="2189295" cy="1793241"/>
+          </a:xfrm>
+          <a:prstGeom prst="rect">
+            <a:avLst/>
+          </a:prstGeom>
+        </p:spPr>
+      </p:pic>
+      <p:sp>
+        <p:nvSpPr>
+          <p:cNvPr id="13" name="Arc 12"/>
+          <p:cNvSpPr/>
+          <p:nvPr/>
+        </p:nvSpPr>
+        <p:spPr>
+          <a:xfrm rot="1242611">
+            <a:off x="7200153" y="4001014"/>
+            <a:ext cx="1406524" cy="1106525"/>
+          </a:xfrm>
+          <a:prstGeom prst="arc">
+            <a:avLst/>
+          </a:prstGeom>
+          <a:ln w="38100"/>
+        </p:spPr>
+        <p:style>
+          <a:lnRef idx="1">
+            <a:schemeClr val="accent1"/>
+          </a:lnRef>
+          <a:fillRef idx="0">
+            <a:schemeClr val="accent1"/>
+          </a:fillRef>
+          <a:effectRef idx="0">
+            <a:schemeClr val="accent1"/>
+          </a:effectRef>
+          <a:fontRef idx="minor">
+            <a:schemeClr val="tx1"/>
+          </a:fontRef>
+        </p:style>
+        <p:txBody>
+          <a:bodyPr rtlCol="0" anchor="ctr"/>
+          <a:lstStyle/>
+          <a:p>
+            <a:pPr algn="ctr"/>
+            <a:endParaRPr lang="en-US"/>
+          </a:p>
+        </p:txBody>
+      </p:sp>
+      <p:sp>
+        <p:nvSpPr>
+          <p:cNvPr id="15" name="Arc 14"/>
+          <p:cNvSpPr/>
+          <p:nvPr/>
+        </p:nvSpPr>
+        <p:spPr>
+          <a:xfrm rot="1242611">
+            <a:off x="7349834" y="4153886"/>
+            <a:ext cx="1043791" cy="821160"/>
+          </a:xfrm>
+          <a:prstGeom prst="arc">
+            <a:avLst/>
+          </a:prstGeom>
+          <a:ln w="38100"/>
+        </p:spPr>
+        <p:style>
+          <a:lnRef idx="1">
+            <a:schemeClr val="accent1"/>
+          </a:lnRef>
+          <a:fillRef idx="0">
+            <a:schemeClr val="accent1"/>
+          </a:fillRef>
+          <a:effectRef idx="0">
+            <a:schemeClr val="accent1"/>
+          </a:effectRef>
+          <a:fontRef idx="minor">
+            <a:schemeClr val="tx1"/>
+          </a:fontRef>
+        </p:style>
+        <p:txBody>
+          <a:bodyPr rtlCol="0" anchor="ctr"/>
+          <a:lstStyle/>
+          <a:p>
+            <a:pPr algn="ctr"/>
+            <a:endParaRPr lang="en-US"/>
+          </a:p>
+        </p:txBody>
+      </p:sp>
+      <p:sp>
+        <p:nvSpPr>
+          <p:cNvPr id="16" name="Arc 15"/>
+          <p:cNvSpPr/>
+          <p:nvPr/>
+        </p:nvSpPr>
+        <p:spPr>
+          <a:xfrm rot="12523801">
+            <a:off x="4934937" y="5046770"/>
+            <a:ext cx="1406524" cy="1106525"/>
+          </a:xfrm>
+          <a:prstGeom prst="arc">
+            <a:avLst/>
+          </a:prstGeom>
+          <a:ln w="38100"/>
+        </p:spPr>
+        <p:style>
+          <a:lnRef idx="1">
+            <a:schemeClr val="accent1"/>
+          </a:lnRef>
+          <a:fillRef idx="0">
+            <a:schemeClr val="accent1"/>
+          </a:fillRef>
+          <a:effectRef idx="0">
+            <a:schemeClr val="accent1"/>
+          </a:effectRef>
+          <a:fontRef idx="minor">
+            <a:schemeClr val="tx1"/>
+          </a:fontRef>
+        </p:style>
+        <p:txBody>
+          <a:bodyPr rtlCol="0" anchor="ctr"/>
+          <a:lstStyle/>
+          <a:p>
+            <a:pPr algn="ctr"/>
+            <a:endParaRPr lang="en-US"/>
+          </a:p>
+        </p:txBody>
+      </p:sp>
+      <p:sp>
+        <p:nvSpPr>
+          <p:cNvPr id="17" name="Arc 16"/>
+          <p:cNvSpPr/>
+          <p:nvPr/>
+        </p:nvSpPr>
+        <p:spPr>
+          <a:xfrm rot="12523801">
+            <a:off x="5084618" y="5199642"/>
+            <a:ext cx="1043791" cy="821160"/>
+          </a:xfrm>
+          <a:prstGeom prst="arc">
+            <a:avLst/>
+          </a:prstGeom>
+          <a:ln w="38100"/>
+        </p:spPr>
+        <p:style>
+          <a:lnRef idx="1">
+            <a:schemeClr val="accent1"/>
+          </a:lnRef>
+          <a:fillRef idx="0">
+            <a:schemeClr val="accent1"/>
+          </a:fillRef>
+          <a:effectRef idx="0">
+            <a:schemeClr val="accent1"/>
+          </a:effectRef>
+          <a:fontRef idx="minor">
+            <a:schemeClr val="tx1"/>
+          </a:fontRef>
+        </p:style>
+        <p:txBody>
+          <a:bodyPr rtlCol="0" anchor="ctr"/>
+          <a:lstStyle/>
+          <a:p>
+            <a:pPr algn="ctr"/>
+            <a:endParaRPr lang="en-US"/>
+          </a:p>
+        </p:txBody>
+      </p:sp>
     </p:spTree>
     <p:extLst>
       <p:ext uri="{BB962C8B-B14F-4D97-AF65-F5344CB8AC3E}">
-        <p14:creationId xmlns:p14="http://schemas.microsoft.com/office/powerpoint/2010/main" val="2800974292"/>
+        <p14:creationId xmlns:p14="http://schemas.microsoft.com/office/powerpoint/2010/main" val="3671599402"/>
       </p:ext>
     </p:extLst>
   </p:cSld>
